--- a/Pictures/Figures/Figure 6.pptx
+++ b/Pictures/Figures/Figure 6.pptx
@@ -2,12 +2,12 @@
 <file path=ppt/presentation.xml><?xml version="1.0" encoding="utf-8"?>
 <p:presentation xmlns:a="http://schemas.openxmlformats.org/drawingml/2006/main" xmlns:r="http://schemas.openxmlformats.org/officeDocument/2006/relationships" xmlns:p="http://schemas.openxmlformats.org/presentationml/2006/main" saveSubsetFonts="1">
   <p:sldMasterIdLst>
-    <p:sldMasterId id="2147483672" r:id="rId1"/>
+    <p:sldMasterId id="2147483696" r:id="rId1"/>
   </p:sldMasterIdLst>
   <p:sldIdLst>
     <p:sldId id="256" r:id="rId2"/>
   </p:sldIdLst>
-  <p:sldSz cx="15087600" cy="6858000"/>
+  <p:sldSz cx="9144000" cy="5029200"/>
   <p:notesSz cx="6858000" cy="9144000"/>
   <p:defaultTextStyle>
     <a:defPPr>
@@ -104,6 +104,11 @@
       </a:defRPr>
     </a:lvl9pPr>
   </p:defaultTextStyle>
+  <p:extLst>
+    <p:ext uri="{EFAFB233-063F-42B5-8137-9DF3F51BA10A}">
+      <p15:sldGuideLst xmlns:p15="http://schemas.microsoft.com/office/powerpoint/2012/main"/>
+    </p:ext>
+  </p:extLst>
 </p:presentation>
 </file>
 
@@ -136,15 +141,15 @@
         </p:nvSpPr>
         <p:spPr>
           <a:xfrm>
-            <a:off x="1885950" y="1122363"/>
-            <a:ext cx="11315700" cy="2387600"/>
+            <a:off x="1143000" y="823066"/>
+            <a:ext cx="6858000" cy="1750907"/>
           </a:xfrm>
         </p:spPr>
         <p:txBody>
           <a:bodyPr anchor="b"/>
           <a:lstStyle>
             <a:lvl1pPr algn="ctr">
-              <a:defRPr sz="6000"/>
+              <a:defRPr sz="4400"/>
             </a:lvl1pPr>
           </a:lstStyle>
           <a:p>
@@ -168,8 +173,8 @@
         </p:nvSpPr>
         <p:spPr>
           <a:xfrm>
-            <a:off x="1885950" y="3602038"/>
-            <a:ext cx="11315700" cy="1655762"/>
+            <a:off x="1143000" y="2641495"/>
+            <a:ext cx="6858000" cy="1214225"/>
           </a:xfrm>
         </p:spPr>
         <p:txBody>
@@ -177,39 +182,39 @@
           <a:lstStyle>
             <a:lvl1pPr marL="0" indent="0" algn="ctr">
               <a:buNone/>
-              <a:defRPr sz="2400"/>
+              <a:defRPr sz="1760"/>
             </a:lvl1pPr>
-            <a:lvl2pPr marL="457200" indent="0" algn="ctr">
+            <a:lvl2pPr marL="335265" indent="0" algn="ctr">
               <a:buNone/>
-              <a:defRPr sz="2000"/>
+              <a:defRPr sz="1467"/>
             </a:lvl2pPr>
-            <a:lvl3pPr marL="914400" indent="0" algn="ctr">
+            <a:lvl3pPr marL="670530" indent="0" algn="ctr">
               <a:buNone/>
-              <a:defRPr sz="1800"/>
+              <a:defRPr sz="1320"/>
             </a:lvl3pPr>
-            <a:lvl4pPr marL="1371600" indent="0" algn="ctr">
+            <a:lvl4pPr marL="1005794" indent="0" algn="ctr">
               <a:buNone/>
-              <a:defRPr sz="1600"/>
+              <a:defRPr sz="1173"/>
             </a:lvl4pPr>
-            <a:lvl5pPr marL="1828800" indent="0" algn="ctr">
+            <a:lvl5pPr marL="1341059" indent="0" algn="ctr">
               <a:buNone/>
-              <a:defRPr sz="1600"/>
+              <a:defRPr sz="1173"/>
             </a:lvl5pPr>
-            <a:lvl6pPr marL="2286000" indent="0" algn="ctr">
+            <a:lvl6pPr marL="1676324" indent="0" algn="ctr">
               <a:buNone/>
-              <a:defRPr sz="1600"/>
+              <a:defRPr sz="1173"/>
             </a:lvl6pPr>
-            <a:lvl7pPr marL="2743200" indent="0" algn="ctr">
+            <a:lvl7pPr marL="2011589" indent="0" algn="ctr">
               <a:buNone/>
-              <a:defRPr sz="1600"/>
+              <a:defRPr sz="1173"/>
             </a:lvl7pPr>
-            <a:lvl8pPr marL="3200400" indent="0" algn="ctr">
+            <a:lvl8pPr marL="2346853" indent="0" algn="ctr">
               <a:buNone/>
-              <a:defRPr sz="1600"/>
+              <a:defRPr sz="1173"/>
             </a:lvl8pPr>
-            <a:lvl9pPr marL="3657600" indent="0" algn="ctr">
+            <a:lvl9pPr marL="2682118" indent="0" algn="ctr">
               <a:buNone/>
-              <a:defRPr sz="1600"/>
+              <a:defRPr sz="1173"/>
             </a:lvl9pPr>
           </a:lstStyle>
           <a:p>
@@ -238,7 +243,7 @@
           <a:p>
             <a:fld id="{99C48FF9-F069-4603-9620-B65563ADA87E}" type="datetimeFigureOut">
               <a:rPr lang="en-US" smtClean="0"/>
-              <a:t>11/3/2022</a:t>
+              <a:t>11/7/2022</a:t>
             </a:fld>
             <a:endParaRPr lang="en-US"/>
           </a:p>
@@ -289,7 +294,7 @@
     </p:spTree>
     <p:extLst>
       <p:ext uri="{BB962C8B-B14F-4D97-AF65-F5344CB8AC3E}">
-        <p14:creationId xmlns:p14="http://schemas.microsoft.com/office/powerpoint/2010/main" val="2925745770"/>
+        <p14:creationId xmlns:p14="http://schemas.microsoft.com/office/powerpoint/2010/main" val="489976576"/>
       </p:ext>
     </p:extLst>
   </p:cSld>
@@ -408,7 +413,7 @@
           <a:p>
             <a:fld id="{99C48FF9-F069-4603-9620-B65563ADA87E}" type="datetimeFigureOut">
               <a:rPr lang="en-US" smtClean="0"/>
-              <a:t>11/3/2022</a:t>
+              <a:t>11/7/2022</a:t>
             </a:fld>
             <a:endParaRPr lang="en-US"/>
           </a:p>
@@ -459,7 +464,7 @@
     </p:spTree>
     <p:extLst>
       <p:ext uri="{BB962C8B-B14F-4D97-AF65-F5344CB8AC3E}">
-        <p14:creationId xmlns:p14="http://schemas.microsoft.com/office/powerpoint/2010/main" val="1642949484"/>
+        <p14:creationId xmlns:p14="http://schemas.microsoft.com/office/powerpoint/2010/main" val="1857705765"/>
       </p:ext>
     </p:extLst>
   </p:cSld>
@@ -498,8 +503,8 @@
         </p:nvSpPr>
         <p:spPr>
           <a:xfrm>
-            <a:off x="10797064" y="365125"/>
-            <a:ext cx="3253264" cy="5811838"/>
+            <a:off x="6543675" y="267758"/>
+            <a:ext cx="1971675" cy="4262015"/>
           </a:xfrm>
         </p:spPr>
         <p:txBody>
@@ -526,8 +531,8 @@
         </p:nvSpPr>
         <p:spPr>
           <a:xfrm>
-            <a:off x="1037273" y="365125"/>
-            <a:ext cx="9571196" cy="5811838"/>
+            <a:off x="628650" y="267758"/>
+            <a:ext cx="5800725" cy="4262015"/>
           </a:xfrm>
         </p:spPr>
         <p:txBody>
@@ -588,7 +593,7 @@
           <a:p>
             <a:fld id="{99C48FF9-F069-4603-9620-B65563ADA87E}" type="datetimeFigureOut">
               <a:rPr lang="en-US" smtClean="0"/>
-              <a:t>11/3/2022</a:t>
+              <a:t>11/7/2022</a:t>
             </a:fld>
             <a:endParaRPr lang="en-US"/>
           </a:p>
@@ -639,7 +644,7 @@
     </p:spTree>
     <p:extLst>
       <p:ext uri="{BB962C8B-B14F-4D97-AF65-F5344CB8AC3E}">
-        <p14:creationId xmlns:p14="http://schemas.microsoft.com/office/powerpoint/2010/main" val="1219619736"/>
+        <p14:creationId xmlns:p14="http://schemas.microsoft.com/office/powerpoint/2010/main" val="2312900420"/>
       </p:ext>
     </p:extLst>
   </p:cSld>
@@ -758,7 +763,7 @@
           <a:p>
             <a:fld id="{99C48FF9-F069-4603-9620-B65563ADA87E}" type="datetimeFigureOut">
               <a:rPr lang="en-US" smtClean="0"/>
-              <a:t>11/3/2022</a:t>
+              <a:t>11/7/2022</a:t>
             </a:fld>
             <a:endParaRPr lang="en-US"/>
           </a:p>
@@ -809,7 +814,7 @@
     </p:spTree>
     <p:extLst>
       <p:ext uri="{BB962C8B-B14F-4D97-AF65-F5344CB8AC3E}">
-        <p14:creationId xmlns:p14="http://schemas.microsoft.com/office/powerpoint/2010/main" val="55721510"/>
+        <p14:creationId xmlns:p14="http://schemas.microsoft.com/office/powerpoint/2010/main" val="2683456294"/>
       </p:ext>
     </p:extLst>
   </p:cSld>
@@ -848,15 +853,15 @@
         </p:nvSpPr>
         <p:spPr>
           <a:xfrm>
-            <a:off x="1029414" y="1709739"/>
-            <a:ext cx="13013055" cy="2852737"/>
+            <a:off x="623888" y="1253808"/>
+            <a:ext cx="7886700" cy="2092007"/>
           </a:xfrm>
         </p:spPr>
         <p:txBody>
           <a:bodyPr anchor="b"/>
           <a:lstStyle>
             <a:lvl1pPr>
-              <a:defRPr sz="6000"/>
+              <a:defRPr sz="4400"/>
             </a:lvl1pPr>
           </a:lstStyle>
           <a:p>
@@ -880,8 +885,8 @@
         </p:nvSpPr>
         <p:spPr>
           <a:xfrm>
-            <a:off x="1029414" y="4589464"/>
-            <a:ext cx="13013055" cy="1500187"/>
+            <a:off x="623888" y="3365607"/>
+            <a:ext cx="7886700" cy="1100137"/>
           </a:xfrm>
         </p:spPr>
         <p:txBody>
@@ -889,7 +894,7 @@
           <a:lstStyle>
             <a:lvl1pPr marL="0" indent="0">
               <a:buNone/>
-              <a:defRPr sz="2400">
+              <a:defRPr sz="1760">
                 <a:solidFill>
                   <a:schemeClr val="tx1">
                     <a:tint val="75000"/>
@@ -897,9 +902,9 @@
                 </a:solidFill>
               </a:defRPr>
             </a:lvl1pPr>
-            <a:lvl2pPr marL="457200" indent="0">
+            <a:lvl2pPr marL="335265" indent="0">
               <a:buNone/>
-              <a:defRPr sz="2000">
+              <a:defRPr sz="1467">
                 <a:solidFill>
                   <a:schemeClr val="tx1">
                     <a:tint val="75000"/>
@@ -907,9 +912,9 @@
                 </a:solidFill>
               </a:defRPr>
             </a:lvl2pPr>
-            <a:lvl3pPr marL="914400" indent="0">
+            <a:lvl3pPr marL="670530" indent="0">
               <a:buNone/>
-              <a:defRPr sz="1800">
+              <a:defRPr sz="1320">
                 <a:solidFill>
                   <a:schemeClr val="tx1">
                     <a:tint val="75000"/>
@@ -917,9 +922,9 @@
                 </a:solidFill>
               </a:defRPr>
             </a:lvl3pPr>
-            <a:lvl4pPr marL="1371600" indent="0">
+            <a:lvl4pPr marL="1005794" indent="0">
               <a:buNone/>
-              <a:defRPr sz="1600">
+              <a:defRPr sz="1173">
                 <a:solidFill>
                   <a:schemeClr val="tx1">
                     <a:tint val="75000"/>
@@ -927,9 +932,9 @@
                 </a:solidFill>
               </a:defRPr>
             </a:lvl4pPr>
-            <a:lvl5pPr marL="1828800" indent="0">
+            <a:lvl5pPr marL="1341059" indent="0">
               <a:buNone/>
-              <a:defRPr sz="1600">
+              <a:defRPr sz="1173">
                 <a:solidFill>
                   <a:schemeClr val="tx1">
                     <a:tint val="75000"/>
@@ -937,9 +942,9 @@
                 </a:solidFill>
               </a:defRPr>
             </a:lvl5pPr>
-            <a:lvl6pPr marL="2286000" indent="0">
+            <a:lvl6pPr marL="1676324" indent="0">
               <a:buNone/>
-              <a:defRPr sz="1600">
+              <a:defRPr sz="1173">
                 <a:solidFill>
                   <a:schemeClr val="tx1">
                     <a:tint val="75000"/>
@@ -947,9 +952,9 @@
                 </a:solidFill>
               </a:defRPr>
             </a:lvl6pPr>
-            <a:lvl7pPr marL="2743200" indent="0">
+            <a:lvl7pPr marL="2011589" indent="0">
               <a:buNone/>
-              <a:defRPr sz="1600">
+              <a:defRPr sz="1173">
                 <a:solidFill>
                   <a:schemeClr val="tx1">
                     <a:tint val="75000"/>
@@ -957,9 +962,9 @@
                 </a:solidFill>
               </a:defRPr>
             </a:lvl7pPr>
-            <a:lvl8pPr marL="3200400" indent="0">
+            <a:lvl8pPr marL="2346853" indent="0">
               <a:buNone/>
-              <a:defRPr sz="1600">
+              <a:defRPr sz="1173">
                 <a:solidFill>
                   <a:schemeClr val="tx1">
                     <a:tint val="75000"/>
@@ -967,9 +972,9 @@
                 </a:solidFill>
               </a:defRPr>
             </a:lvl8pPr>
-            <a:lvl9pPr marL="3657600" indent="0">
+            <a:lvl9pPr marL="2682118" indent="0">
               <a:buNone/>
-              <a:defRPr sz="1600">
+              <a:defRPr sz="1173">
                 <a:solidFill>
                   <a:schemeClr val="tx1">
                     <a:tint val="75000"/>
@@ -1004,7 +1009,7 @@
           <a:p>
             <a:fld id="{99C48FF9-F069-4603-9620-B65563ADA87E}" type="datetimeFigureOut">
               <a:rPr lang="en-US" smtClean="0"/>
-              <a:t>11/3/2022</a:t>
+              <a:t>11/7/2022</a:t>
             </a:fld>
             <a:endParaRPr lang="en-US"/>
           </a:p>
@@ -1055,7 +1060,7 @@
     </p:spTree>
     <p:extLst>
       <p:ext uri="{BB962C8B-B14F-4D97-AF65-F5344CB8AC3E}">
-        <p14:creationId xmlns:p14="http://schemas.microsoft.com/office/powerpoint/2010/main" val="399047227"/>
+        <p14:creationId xmlns:p14="http://schemas.microsoft.com/office/powerpoint/2010/main" val="3093159854"/>
       </p:ext>
     </p:extLst>
   </p:cSld>
@@ -1117,8 +1122,8 @@
         </p:nvSpPr>
         <p:spPr>
           <a:xfrm>
-            <a:off x="1037273" y="1825625"/>
-            <a:ext cx="6412230" cy="4351338"/>
+            <a:off x="628650" y="1338792"/>
+            <a:ext cx="3886200" cy="3190981"/>
           </a:xfrm>
         </p:spPr>
         <p:txBody>
@@ -1174,8 +1179,8 @@
         </p:nvSpPr>
         <p:spPr>
           <a:xfrm>
-            <a:off x="7638098" y="1825625"/>
-            <a:ext cx="6412230" cy="4351338"/>
+            <a:off x="4629150" y="1338792"/>
+            <a:ext cx="3886200" cy="3190981"/>
           </a:xfrm>
         </p:spPr>
         <p:txBody>
@@ -1236,7 +1241,7 @@
           <a:p>
             <a:fld id="{99C48FF9-F069-4603-9620-B65563ADA87E}" type="datetimeFigureOut">
               <a:rPr lang="en-US" smtClean="0"/>
-              <a:t>11/3/2022</a:t>
+              <a:t>11/7/2022</a:t>
             </a:fld>
             <a:endParaRPr lang="en-US"/>
           </a:p>
@@ -1287,7 +1292,7 @@
     </p:spTree>
     <p:extLst>
       <p:ext uri="{BB962C8B-B14F-4D97-AF65-F5344CB8AC3E}">
-        <p14:creationId xmlns:p14="http://schemas.microsoft.com/office/powerpoint/2010/main" val="2797855751"/>
+        <p14:creationId xmlns:p14="http://schemas.microsoft.com/office/powerpoint/2010/main" val="329394556"/>
       </p:ext>
     </p:extLst>
   </p:cSld>
@@ -1326,8 +1331,8 @@
         </p:nvSpPr>
         <p:spPr>
           <a:xfrm>
-            <a:off x="1039238" y="365126"/>
-            <a:ext cx="13013055" cy="1325563"/>
+            <a:off x="629841" y="267758"/>
+            <a:ext cx="7886700" cy="972080"/>
           </a:xfrm>
         </p:spPr>
         <p:txBody>
@@ -1354,8 +1359,8 @@
         </p:nvSpPr>
         <p:spPr>
           <a:xfrm>
-            <a:off x="1039238" y="1681163"/>
-            <a:ext cx="6382761" cy="823912"/>
+            <a:off x="629842" y="1232853"/>
+            <a:ext cx="3868340" cy="604202"/>
           </a:xfrm>
         </p:spPr>
         <p:txBody>
@@ -1363,39 +1368,39 @@
           <a:lstStyle>
             <a:lvl1pPr marL="0" indent="0">
               <a:buNone/>
-              <a:defRPr sz="2400" b="1"/>
+              <a:defRPr sz="1760" b="1"/>
             </a:lvl1pPr>
-            <a:lvl2pPr marL="457200" indent="0">
+            <a:lvl2pPr marL="335265" indent="0">
               <a:buNone/>
-              <a:defRPr sz="2000" b="1"/>
+              <a:defRPr sz="1467" b="1"/>
             </a:lvl2pPr>
-            <a:lvl3pPr marL="914400" indent="0">
+            <a:lvl3pPr marL="670530" indent="0">
               <a:buNone/>
-              <a:defRPr sz="1800" b="1"/>
+              <a:defRPr sz="1320" b="1"/>
             </a:lvl3pPr>
-            <a:lvl4pPr marL="1371600" indent="0">
+            <a:lvl4pPr marL="1005794" indent="0">
               <a:buNone/>
-              <a:defRPr sz="1600" b="1"/>
+              <a:defRPr sz="1173" b="1"/>
             </a:lvl4pPr>
-            <a:lvl5pPr marL="1828800" indent="0">
+            <a:lvl5pPr marL="1341059" indent="0">
               <a:buNone/>
-              <a:defRPr sz="1600" b="1"/>
+              <a:defRPr sz="1173" b="1"/>
             </a:lvl5pPr>
-            <a:lvl6pPr marL="2286000" indent="0">
+            <a:lvl6pPr marL="1676324" indent="0">
               <a:buNone/>
-              <a:defRPr sz="1600" b="1"/>
+              <a:defRPr sz="1173" b="1"/>
             </a:lvl6pPr>
-            <a:lvl7pPr marL="2743200" indent="0">
+            <a:lvl7pPr marL="2011589" indent="0">
               <a:buNone/>
-              <a:defRPr sz="1600" b="1"/>
+              <a:defRPr sz="1173" b="1"/>
             </a:lvl7pPr>
-            <a:lvl8pPr marL="3200400" indent="0">
+            <a:lvl8pPr marL="2346853" indent="0">
               <a:buNone/>
-              <a:defRPr sz="1600" b="1"/>
+              <a:defRPr sz="1173" b="1"/>
             </a:lvl8pPr>
-            <a:lvl9pPr marL="3657600" indent="0">
+            <a:lvl9pPr marL="2682118" indent="0">
               <a:buNone/>
-              <a:defRPr sz="1600" b="1"/>
+              <a:defRPr sz="1173" b="1"/>
             </a:lvl9pPr>
           </a:lstStyle>
           <a:p>
@@ -1419,8 +1424,8 @@
         </p:nvSpPr>
         <p:spPr>
           <a:xfrm>
-            <a:off x="1039238" y="2505075"/>
-            <a:ext cx="6382761" cy="3684588"/>
+            <a:off x="629842" y="1837055"/>
+            <a:ext cx="3868340" cy="2702031"/>
           </a:xfrm>
         </p:spPr>
         <p:txBody>
@@ -1476,8 +1481,8 @@
         </p:nvSpPr>
         <p:spPr>
           <a:xfrm>
-            <a:off x="7638098" y="1681163"/>
-            <a:ext cx="6414195" cy="823912"/>
+            <a:off x="4629150" y="1232853"/>
+            <a:ext cx="3887391" cy="604202"/>
           </a:xfrm>
         </p:spPr>
         <p:txBody>
@@ -1485,39 +1490,39 @@
           <a:lstStyle>
             <a:lvl1pPr marL="0" indent="0">
               <a:buNone/>
-              <a:defRPr sz="2400" b="1"/>
+              <a:defRPr sz="1760" b="1"/>
             </a:lvl1pPr>
-            <a:lvl2pPr marL="457200" indent="0">
+            <a:lvl2pPr marL="335265" indent="0">
               <a:buNone/>
-              <a:defRPr sz="2000" b="1"/>
+              <a:defRPr sz="1467" b="1"/>
             </a:lvl2pPr>
-            <a:lvl3pPr marL="914400" indent="0">
+            <a:lvl3pPr marL="670530" indent="0">
               <a:buNone/>
-              <a:defRPr sz="1800" b="1"/>
+              <a:defRPr sz="1320" b="1"/>
             </a:lvl3pPr>
-            <a:lvl4pPr marL="1371600" indent="0">
+            <a:lvl4pPr marL="1005794" indent="0">
               <a:buNone/>
-              <a:defRPr sz="1600" b="1"/>
+              <a:defRPr sz="1173" b="1"/>
             </a:lvl4pPr>
-            <a:lvl5pPr marL="1828800" indent="0">
+            <a:lvl5pPr marL="1341059" indent="0">
               <a:buNone/>
-              <a:defRPr sz="1600" b="1"/>
+              <a:defRPr sz="1173" b="1"/>
             </a:lvl5pPr>
-            <a:lvl6pPr marL="2286000" indent="0">
+            <a:lvl6pPr marL="1676324" indent="0">
               <a:buNone/>
-              <a:defRPr sz="1600" b="1"/>
+              <a:defRPr sz="1173" b="1"/>
             </a:lvl6pPr>
-            <a:lvl7pPr marL="2743200" indent="0">
+            <a:lvl7pPr marL="2011589" indent="0">
               <a:buNone/>
-              <a:defRPr sz="1600" b="1"/>
+              <a:defRPr sz="1173" b="1"/>
             </a:lvl7pPr>
-            <a:lvl8pPr marL="3200400" indent="0">
+            <a:lvl8pPr marL="2346853" indent="0">
               <a:buNone/>
-              <a:defRPr sz="1600" b="1"/>
+              <a:defRPr sz="1173" b="1"/>
             </a:lvl8pPr>
-            <a:lvl9pPr marL="3657600" indent="0">
+            <a:lvl9pPr marL="2682118" indent="0">
               <a:buNone/>
-              <a:defRPr sz="1600" b="1"/>
+              <a:defRPr sz="1173" b="1"/>
             </a:lvl9pPr>
           </a:lstStyle>
           <a:p>
@@ -1541,8 +1546,8 @@
         </p:nvSpPr>
         <p:spPr>
           <a:xfrm>
-            <a:off x="7638098" y="2505075"/>
-            <a:ext cx="6414195" cy="3684588"/>
+            <a:off x="4629150" y="1837055"/>
+            <a:ext cx="3887391" cy="2702031"/>
           </a:xfrm>
         </p:spPr>
         <p:txBody>
@@ -1603,7 +1608,7 @@
           <a:p>
             <a:fld id="{99C48FF9-F069-4603-9620-B65563ADA87E}" type="datetimeFigureOut">
               <a:rPr lang="en-US" smtClean="0"/>
-              <a:t>11/3/2022</a:t>
+              <a:t>11/7/2022</a:t>
             </a:fld>
             <a:endParaRPr lang="en-US"/>
           </a:p>
@@ -1654,7 +1659,7 @@
     </p:spTree>
     <p:extLst>
       <p:ext uri="{BB962C8B-B14F-4D97-AF65-F5344CB8AC3E}">
-        <p14:creationId xmlns:p14="http://schemas.microsoft.com/office/powerpoint/2010/main" val="1434400344"/>
+        <p14:creationId xmlns:p14="http://schemas.microsoft.com/office/powerpoint/2010/main" val="3087070287"/>
       </p:ext>
     </p:extLst>
   </p:cSld>
@@ -1721,7 +1726,7 @@
           <a:p>
             <a:fld id="{99C48FF9-F069-4603-9620-B65563ADA87E}" type="datetimeFigureOut">
               <a:rPr lang="en-US" smtClean="0"/>
-              <a:t>11/3/2022</a:t>
+              <a:t>11/7/2022</a:t>
             </a:fld>
             <a:endParaRPr lang="en-US"/>
           </a:p>
@@ -1772,7 +1777,7 @@
     </p:spTree>
     <p:extLst>
       <p:ext uri="{BB962C8B-B14F-4D97-AF65-F5344CB8AC3E}">
-        <p14:creationId xmlns:p14="http://schemas.microsoft.com/office/powerpoint/2010/main" val="3052444224"/>
+        <p14:creationId xmlns:p14="http://schemas.microsoft.com/office/powerpoint/2010/main" val="2511676141"/>
       </p:ext>
     </p:extLst>
   </p:cSld>
@@ -1816,7 +1821,7 @@
           <a:p>
             <a:fld id="{99C48FF9-F069-4603-9620-B65563ADA87E}" type="datetimeFigureOut">
               <a:rPr lang="en-US" smtClean="0"/>
-              <a:t>11/3/2022</a:t>
+              <a:t>11/7/2022</a:t>
             </a:fld>
             <a:endParaRPr lang="en-US"/>
           </a:p>
@@ -1867,7 +1872,7 @@
     </p:spTree>
     <p:extLst>
       <p:ext uri="{BB962C8B-B14F-4D97-AF65-F5344CB8AC3E}">
-        <p14:creationId xmlns:p14="http://schemas.microsoft.com/office/powerpoint/2010/main" val="2471254799"/>
+        <p14:creationId xmlns:p14="http://schemas.microsoft.com/office/powerpoint/2010/main" val="164484163"/>
       </p:ext>
     </p:extLst>
   </p:cSld>
@@ -1906,15 +1911,15 @@
         </p:nvSpPr>
         <p:spPr>
           <a:xfrm>
-            <a:off x="1039238" y="457200"/>
-            <a:ext cx="4866143" cy="1600200"/>
+            <a:off x="629841" y="335280"/>
+            <a:ext cx="2949178" cy="1173480"/>
           </a:xfrm>
         </p:spPr>
         <p:txBody>
           <a:bodyPr anchor="b"/>
           <a:lstStyle>
             <a:lvl1pPr>
-              <a:defRPr sz="3200"/>
+              <a:defRPr sz="2347"/>
             </a:lvl1pPr>
           </a:lstStyle>
           <a:p>
@@ -1938,39 +1943,39 @@
         </p:nvSpPr>
         <p:spPr>
           <a:xfrm>
-            <a:off x="6414195" y="987426"/>
-            <a:ext cx="7638098" cy="4873625"/>
+            <a:off x="3887391" y="724112"/>
+            <a:ext cx="4629150" cy="3573992"/>
           </a:xfrm>
         </p:spPr>
         <p:txBody>
           <a:bodyPr/>
           <a:lstStyle>
             <a:lvl1pPr>
-              <a:defRPr sz="3200"/>
+              <a:defRPr sz="2347"/>
             </a:lvl1pPr>
             <a:lvl2pPr>
-              <a:defRPr sz="2800"/>
+              <a:defRPr sz="2053"/>
             </a:lvl2pPr>
             <a:lvl3pPr>
-              <a:defRPr sz="2400"/>
+              <a:defRPr sz="1760"/>
             </a:lvl3pPr>
             <a:lvl4pPr>
-              <a:defRPr sz="2000"/>
+              <a:defRPr sz="1467"/>
             </a:lvl4pPr>
             <a:lvl5pPr>
-              <a:defRPr sz="2000"/>
+              <a:defRPr sz="1467"/>
             </a:lvl5pPr>
             <a:lvl6pPr>
-              <a:defRPr sz="2000"/>
+              <a:defRPr sz="1467"/>
             </a:lvl6pPr>
             <a:lvl7pPr>
-              <a:defRPr sz="2000"/>
+              <a:defRPr sz="1467"/>
             </a:lvl7pPr>
             <a:lvl8pPr>
-              <a:defRPr sz="2000"/>
+              <a:defRPr sz="1467"/>
             </a:lvl8pPr>
             <a:lvl9pPr>
-              <a:defRPr sz="2000"/>
+              <a:defRPr sz="1467"/>
             </a:lvl9pPr>
           </a:lstStyle>
           <a:p>
@@ -2023,8 +2028,8 @@
         </p:nvSpPr>
         <p:spPr>
           <a:xfrm>
-            <a:off x="1039238" y="2057400"/>
-            <a:ext cx="4866143" cy="3811588"/>
+            <a:off x="629841" y="1508760"/>
+            <a:ext cx="2949178" cy="2795165"/>
           </a:xfrm>
         </p:spPr>
         <p:txBody>
@@ -2032,39 +2037,39 @@
           <a:lstStyle>
             <a:lvl1pPr marL="0" indent="0">
               <a:buNone/>
-              <a:defRPr sz="1600"/>
+              <a:defRPr sz="1173"/>
             </a:lvl1pPr>
-            <a:lvl2pPr marL="457200" indent="0">
+            <a:lvl2pPr marL="335265" indent="0">
               <a:buNone/>
-              <a:defRPr sz="1400"/>
+              <a:defRPr sz="1027"/>
             </a:lvl2pPr>
-            <a:lvl3pPr marL="914400" indent="0">
+            <a:lvl3pPr marL="670530" indent="0">
               <a:buNone/>
-              <a:defRPr sz="1200"/>
+              <a:defRPr sz="880"/>
             </a:lvl3pPr>
-            <a:lvl4pPr marL="1371600" indent="0">
+            <a:lvl4pPr marL="1005794" indent="0">
               <a:buNone/>
-              <a:defRPr sz="1000"/>
+              <a:defRPr sz="733"/>
             </a:lvl4pPr>
-            <a:lvl5pPr marL="1828800" indent="0">
+            <a:lvl5pPr marL="1341059" indent="0">
               <a:buNone/>
-              <a:defRPr sz="1000"/>
+              <a:defRPr sz="733"/>
             </a:lvl5pPr>
-            <a:lvl6pPr marL="2286000" indent="0">
+            <a:lvl6pPr marL="1676324" indent="0">
               <a:buNone/>
-              <a:defRPr sz="1000"/>
+              <a:defRPr sz="733"/>
             </a:lvl6pPr>
-            <a:lvl7pPr marL="2743200" indent="0">
+            <a:lvl7pPr marL="2011589" indent="0">
               <a:buNone/>
-              <a:defRPr sz="1000"/>
+              <a:defRPr sz="733"/>
             </a:lvl7pPr>
-            <a:lvl8pPr marL="3200400" indent="0">
+            <a:lvl8pPr marL="2346853" indent="0">
               <a:buNone/>
-              <a:defRPr sz="1000"/>
+              <a:defRPr sz="733"/>
             </a:lvl8pPr>
-            <a:lvl9pPr marL="3657600" indent="0">
+            <a:lvl9pPr marL="2682118" indent="0">
               <a:buNone/>
-              <a:defRPr sz="1000"/>
+              <a:defRPr sz="733"/>
             </a:lvl9pPr>
           </a:lstStyle>
           <a:p>
@@ -2093,7 +2098,7 @@
           <a:p>
             <a:fld id="{99C48FF9-F069-4603-9620-B65563ADA87E}" type="datetimeFigureOut">
               <a:rPr lang="en-US" smtClean="0"/>
-              <a:t>11/3/2022</a:t>
+              <a:t>11/7/2022</a:t>
             </a:fld>
             <a:endParaRPr lang="en-US"/>
           </a:p>
@@ -2144,7 +2149,7 @@
     </p:spTree>
     <p:extLst>
       <p:ext uri="{BB962C8B-B14F-4D97-AF65-F5344CB8AC3E}">
-        <p14:creationId xmlns:p14="http://schemas.microsoft.com/office/powerpoint/2010/main" val="3380452006"/>
+        <p14:creationId xmlns:p14="http://schemas.microsoft.com/office/powerpoint/2010/main" val="2654938756"/>
       </p:ext>
     </p:extLst>
   </p:cSld>
@@ -2183,15 +2188,15 @@
         </p:nvSpPr>
         <p:spPr>
           <a:xfrm>
-            <a:off x="1039238" y="457200"/>
-            <a:ext cx="4866143" cy="1600200"/>
+            <a:off x="629841" y="335280"/>
+            <a:ext cx="2949178" cy="1173480"/>
           </a:xfrm>
         </p:spPr>
         <p:txBody>
           <a:bodyPr anchor="b"/>
           <a:lstStyle>
             <a:lvl1pPr>
-              <a:defRPr sz="3200"/>
+              <a:defRPr sz="2347"/>
             </a:lvl1pPr>
           </a:lstStyle>
           <a:p>
@@ -2215,8 +2220,8 @@
         </p:nvSpPr>
         <p:spPr>
           <a:xfrm>
-            <a:off x="6414195" y="987426"/>
-            <a:ext cx="7638098" cy="4873625"/>
+            <a:off x="3887391" y="724112"/>
+            <a:ext cx="4629150" cy="3573992"/>
           </a:xfrm>
         </p:spPr>
         <p:txBody>
@@ -2224,39 +2229,39 @@
           <a:lstStyle>
             <a:lvl1pPr marL="0" indent="0">
               <a:buNone/>
-              <a:defRPr sz="3200"/>
+              <a:defRPr sz="2347"/>
             </a:lvl1pPr>
-            <a:lvl2pPr marL="457200" indent="0">
+            <a:lvl2pPr marL="335265" indent="0">
               <a:buNone/>
-              <a:defRPr sz="2800"/>
+              <a:defRPr sz="2053"/>
             </a:lvl2pPr>
-            <a:lvl3pPr marL="914400" indent="0">
+            <a:lvl3pPr marL="670530" indent="0">
               <a:buNone/>
-              <a:defRPr sz="2400"/>
+              <a:defRPr sz="1760"/>
             </a:lvl3pPr>
-            <a:lvl4pPr marL="1371600" indent="0">
+            <a:lvl4pPr marL="1005794" indent="0">
               <a:buNone/>
-              <a:defRPr sz="2000"/>
+              <a:defRPr sz="1467"/>
             </a:lvl4pPr>
-            <a:lvl5pPr marL="1828800" indent="0">
+            <a:lvl5pPr marL="1341059" indent="0">
               <a:buNone/>
-              <a:defRPr sz="2000"/>
+              <a:defRPr sz="1467"/>
             </a:lvl5pPr>
-            <a:lvl6pPr marL="2286000" indent="0">
+            <a:lvl6pPr marL="1676324" indent="0">
               <a:buNone/>
-              <a:defRPr sz="2000"/>
+              <a:defRPr sz="1467"/>
             </a:lvl6pPr>
-            <a:lvl7pPr marL="2743200" indent="0">
+            <a:lvl7pPr marL="2011589" indent="0">
               <a:buNone/>
-              <a:defRPr sz="2000"/>
+              <a:defRPr sz="1467"/>
             </a:lvl7pPr>
-            <a:lvl8pPr marL="3200400" indent="0">
+            <a:lvl8pPr marL="2346853" indent="0">
               <a:buNone/>
-              <a:defRPr sz="2000"/>
+              <a:defRPr sz="1467"/>
             </a:lvl8pPr>
-            <a:lvl9pPr marL="3657600" indent="0">
+            <a:lvl9pPr marL="2682118" indent="0">
               <a:buNone/>
-              <a:defRPr sz="2000"/>
+              <a:defRPr sz="1467"/>
             </a:lvl9pPr>
           </a:lstStyle>
           <a:p>
@@ -2280,8 +2285,8 @@
         </p:nvSpPr>
         <p:spPr>
           <a:xfrm>
-            <a:off x="1039238" y="2057400"/>
-            <a:ext cx="4866143" cy="3811588"/>
+            <a:off x="629841" y="1508760"/>
+            <a:ext cx="2949178" cy="2795165"/>
           </a:xfrm>
         </p:spPr>
         <p:txBody>
@@ -2289,39 +2294,39 @@
           <a:lstStyle>
             <a:lvl1pPr marL="0" indent="0">
               <a:buNone/>
-              <a:defRPr sz="1600"/>
+              <a:defRPr sz="1173"/>
             </a:lvl1pPr>
-            <a:lvl2pPr marL="457200" indent="0">
+            <a:lvl2pPr marL="335265" indent="0">
               <a:buNone/>
-              <a:defRPr sz="1400"/>
+              <a:defRPr sz="1027"/>
             </a:lvl2pPr>
-            <a:lvl3pPr marL="914400" indent="0">
+            <a:lvl3pPr marL="670530" indent="0">
               <a:buNone/>
-              <a:defRPr sz="1200"/>
+              <a:defRPr sz="880"/>
             </a:lvl3pPr>
-            <a:lvl4pPr marL="1371600" indent="0">
+            <a:lvl4pPr marL="1005794" indent="0">
               <a:buNone/>
-              <a:defRPr sz="1000"/>
+              <a:defRPr sz="733"/>
             </a:lvl4pPr>
-            <a:lvl5pPr marL="1828800" indent="0">
+            <a:lvl5pPr marL="1341059" indent="0">
               <a:buNone/>
-              <a:defRPr sz="1000"/>
+              <a:defRPr sz="733"/>
             </a:lvl5pPr>
-            <a:lvl6pPr marL="2286000" indent="0">
+            <a:lvl6pPr marL="1676324" indent="0">
               <a:buNone/>
-              <a:defRPr sz="1000"/>
+              <a:defRPr sz="733"/>
             </a:lvl6pPr>
-            <a:lvl7pPr marL="2743200" indent="0">
+            <a:lvl7pPr marL="2011589" indent="0">
               <a:buNone/>
-              <a:defRPr sz="1000"/>
+              <a:defRPr sz="733"/>
             </a:lvl7pPr>
-            <a:lvl8pPr marL="3200400" indent="0">
+            <a:lvl8pPr marL="2346853" indent="0">
               <a:buNone/>
-              <a:defRPr sz="1000"/>
+              <a:defRPr sz="733"/>
             </a:lvl8pPr>
-            <a:lvl9pPr marL="3657600" indent="0">
+            <a:lvl9pPr marL="2682118" indent="0">
               <a:buNone/>
-              <a:defRPr sz="1000"/>
+              <a:defRPr sz="733"/>
             </a:lvl9pPr>
           </a:lstStyle>
           <a:p>
@@ -2350,7 +2355,7 @@
           <a:p>
             <a:fld id="{99C48FF9-F069-4603-9620-B65563ADA87E}" type="datetimeFigureOut">
               <a:rPr lang="en-US" smtClean="0"/>
-              <a:t>11/3/2022</a:t>
+              <a:t>11/7/2022</a:t>
             </a:fld>
             <a:endParaRPr lang="en-US"/>
           </a:p>
@@ -2401,7 +2406,7 @@
     </p:spTree>
     <p:extLst>
       <p:ext uri="{BB962C8B-B14F-4D97-AF65-F5344CB8AC3E}">
-        <p14:creationId xmlns:p14="http://schemas.microsoft.com/office/powerpoint/2010/main" val="966289112"/>
+        <p14:creationId xmlns:p14="http://schemas.microsoft.com/office/powerpoint/2010/main" val="1852716978"/>
       </p:ext>
     </p:extLst>
   </p:cSld>
@@ -2445,8 +2450,8 @@
         </p:nvSpPr>
         <p:spPr>
           <a:xfrm>
-            <a:off x="1037273" y="365126"/>
-            <a:ext cx="13013055" cy="1325563"/>
+            <a:off x="628650" y="267758"/>
+            <a:ext cx="7886700" cy="972080"/>
           </a:xfrm>
           <a:prstGeom prst="rect">
             <a:avLst/>
@@ -2478,8 +2483,8 @@
         </p:nvSpPr>
         <p:spPr>
           <a:xfrm>
-            <a:off x="1037273" y="1825625"/>
-            <a:ext cx="13013055" cy="4351338"/>
+            <a:off x="628650" y="1338792"/>
+            <a:ext cx="7886700" cy="3190981"/>
           </a:xfrm>
           <a:prstGeom prst="rect">
             <a:avLst/>
@@ -2540,8 +2545,8 @@
         </p:nvSpPr>
         <p:spPr>
           <a:xfrm>
-            <a:off x="1037273" y="6356351"/>
-            <a:ext cx="3394710" cy="365125"/>
+            <a:off x="628650" y="4661324"/>
+            <a:ext cx="2057400" cy="267758"/>
           </a:xfrm>
           <a:prstGeom prst="rect">
             <a:avLst/>
@@ -2551,7 +2556,7 @@
           <a:bodyPr vert="horz" lIns="91440" tIns="45720" rIns="91440" bIns="45720" rtlCol="0" anchor="ctr"/>
           <a:lstStyle>
             <a:lvl1pPr algn="l">
-              <a:defRPr sz="1200">
+              <a:defRPr sz="880">
                 <a:solidFill>
                   <a:schemeClr val="tx1">
                     <a:tint val="75000"/>
@@ -2563,7 +2568,7 @@
           <a:p>
             <a:fld id="{99C48FF9-F069-4603-9620-B65563ADA87E}" type="datetimeFigureOut">
               <a:rPr lang="en-US" smtClean="0"/>
-              <a:t>11/3/2022</a:t>
+              <a:t>11/7/2022</a:t>
             </a:fld>
             <a:endParaRPr lang="en-US"/>
           </a:p>
@@ -2581,8 +2586,8 @@
         </p:nvSpPr>
         <p:spPr>
           <a:xfrm>
-            <a:off x="4997768" y="6356351"/>
-            <a:ext cx="5092065" cy="365125"/>
+            <a:off x="3028950" y="4661324"/>
+            <a:ext cx="3086100" cy="267758"/>
           </a:xfrm>
           <a:prstGeom prst="rect">
             <a:avLst/>
@@ -2592,7 +2597,7 @@
           <a:bodyPr vert="horz" lIns="91440" tIns="45720" rIns="91440" bIns="45720" rtlCol="0" anchor="ctr"/>
           <a:lstStyle>
             <a:lvl1pPr algn="ctr">
-              <a:defRPr sz="1200">
+              <a:defRPr sz="880">
                 <a:solidFill>
                   <a:schemeClr val="tx1">
                     <a:tint val="75000"/>
@@ -2618,8 +2623,8 @@
         </p:nvSpPr>
         <p:spPr>
           <a:xfrm>
-            <a:off x="10655618" y="6356351"/>
-            <a:ext cx="3394710" cy="365125"/>
+            <a:off x="6457950" y="4661324"/>
+            <a:ext cx="2057400" cy="267758"/>
           </a:xfrm>
           <a:prstGeom prst="rect">
             <a:avLst/>
@@ -2629,7 +2634,7 @@
           <a:bodyPr vert="horz" lIns="91440" tIns="45720" rIns="91440" bIns="45720" rtlCol="0" anchor="ctr"/>
           <a:lstStyle>
             <a:lvl1pPr algn="r">
-              <a:defRPr sz="1200">
+              <a:defRPr sz="880">
                 <a:solidFill>
                   <a:schemeClr val="tx1">
                     <a:tint val="75000"/>
@@ -2650,27 +2655,27 @@
     </p:spTree>
     <p:extLst>
       <p:ext uri="{BB962C8B-B14F-4D97-AF65-F5344CB8AC3E}">
-        <p14:creationId xmlns:p14="http://schemas.microsoft.com/office/powerpoint/2010/main" val="1723343282"/>
+        <p14:creationId xmlns:p14="http://schemas.microsoft.com/office/powerpoint/2010/main" val="2949011642"/>
       </p:ext>
     </p:extLst>
   </p:cSld>
   <p:clrMap bg1="lt1" tx1="dk1" bg2="lt2" tx2="dk2" accent1="accent1" accent2="accent2" accent3="accent3" accent4="accent4" accent5="accent5" accent6="accent6" hlink="hlink" folHlink="folHlink"/>
   <p:sldLayoutIdLst>
-    <p:sldLayoutId id="2147483673" r:id="rId1"/>
-    <p:sldLayoutId id="2147483674" r:id="rId2"/>
-    <p:sldLayoutId id="2147483675" r:id="rId3"/>
-    <p:sldLayoutId id="2147483676" r:id="rId4"/>
-    <p:sldLayoutId id="2147483677" r:id="rId5"/>
-    <p:sldLayoutId id="2147483678" r:id="rId6"/>
-    <p:sldLayoutId id="2147483679" r:id="rId7"/>
-    <p:sldLayoutId id="2147483680" r:id="rId8"/>
-    <p:sldLayoutId id="2147483681" r:id="rId9"/>
-    <p:sldLayoutId id="2147483682" r:id="rId10"/>
-    <p:sldLayoutId id="2147483683" r:id="rId11"/>
+    <p:sldLayoutId id="2147483697" r:id="rId1"/>
+    <p:sldLayoutId id="2147483698" r:id="rId2"/>
+    <p:sldLayoutId id="2147483699" r:id="rId3"/>
+    <p:sldLayoutId id="2147483700" r:id="rId4"/>
+    <p:sldLayoutId id="2147483701" r:id="rId5"/>
+    <p:sldLayoutId id="2147483702" r:id="rId6"/>
+    <p:sldLayoutId id="2147483703" r:id="rId7"/>
+    <p:sldLayoutId id="2147483704" r:id="rId8"/>
+    <p:sldLayoutId id="2147483705" r:id="rId9"/>
+    <p:sldLayoutId id="2147483706" r:id="rId10"/>
+    <p:sldLayoutId id="2147483707" r:id="rId11"/>
   </p:sldLayoutIdLst>
   <p:txStyles>
     <p:titleStyle>
-      <a:lvl1pPr algn="l" defTabSz="914400" rtl="0" eaLnBrk="1" latinLnBrk="0" hangingPunct="1">
+      <a:lvl1pPr algn="l" defTabSz="670530" rtl="0" eaLnBrk="1" latinLnBrk="0" hangingPunct="1">
         <a:lnSpc>
           <a:spcPct val="90000"/>
         </a:lnSpc>
@@ -2678,7 +2683,7 @@
           <a:spcPct val="0"/>
         </a:spcBef>
         <a:buNone/>
-        <a:defRPr sz="4400" kern="1200">
+        <a:defRPr sz="3227" kern="1200">
           <a:solidFill>
             <a:schemeClr val="tx1"/>
           </a:solidFill>
@@ -2689,16 +2694,16 @@
       </a:lvl1pPr>
     </p:titleStyle>
     <p:bodyStyle>
-      <a:lvl1pPr marL="228600" indent="-228600" algn="l" defTabSz="914400" rtl="0" eaLnBrk="1" latinLnBrk="0" hangingPunct="1">
+      <a:lvl1pPr marL="167632" indent="-167632" algn="l" defTabSz="670530" rtl="0" eaLnBrk="1" latinLnBrk="0" hangingPunct="1">
         <a:lnSpc>
           <a:spcPct val="90000"/>
         </a:lnSpc>
         <a:spcBef>
-          <a:spcPts val="1000"/>
+          <a:spcPts val="733"/>
         </a:spcBef>
         <a:buFont typeface="Arial" panose="020B0604020202020204" pitchFamily="34" charset="0"/>
         <a:buChar char="•"/>
-        <a:defRPr sz="2800" kern="1200">
+        <a:defRPr sz="2053" kern="1200">
           <a:solidFill>
             <a:schemeClr val="tx1"/>
           </a:solidFill>
@@ -2707,16 +2712,16 @@
           <a:cs typeface="+mn-cs"/>
         </a:defRPr>
       </a:lvl1pPr>
-      <a:lvl2pPr marL="685800" indent="-228600" algn="l" defTabSz="914400" rtl="0" eaLnBrk="1" latinLnBrk="0" hangingPunct="1">
+      <a:lvl2pPr marL="502897" indent="-167632" algn="l" defTabSz="670530" rtl="0" eaLnBrk="1" latinLnBrk="0" hangingPunct="1">
         <a:lnSpc>
           <a:spcPct val="90000"/>
         </a:lnSpc>
         <a:spcBef>
-          <a:spcPts val="500"/>
+          <a:spcPts val="367"/>
         </a:spcBef>
         <a:buFont typeface="Arial" panose="020B0604020202020204" pitchFamily="34" charset="0"/>
         <a:buChar char="•"/>
-        <a:defRPr sz="2400" kern="1200">
+        <a:defRPr sz="1760" kern="1200">
           <a:solidFill>
             <a:schemeClr val="tx1"/>
           </a:solidFill>
@@ -2725,16 +2730,16 @@
           <a:cs typeface="+mn-cs"/>
         </a:defRPr>
       </a:lvl2pPr>
-      <a:lvl3pPr marL="1143000" indent="-228600" algn="l" defTabSz="914400" rtl="0" eaLnBrk="1" latinLnBrk="0" hangingPunct="1">
+      <a:lvl3pPr marL="838162" indent="-167632" algn="l" defTabSz="670530" rtl="0" eaLnBrk="1" latinLnBrk="0" hangingPunct="1">
         <a:lnSpc>
           <a:spcPct val="90000"/>
         </a:lnSpc>
         <a:spcBef>
-          <a:spcPts val="500"/>
+          <a:spcPts val="367"/>
         </a:spcBef>
         <a:buFont typeface="Arial" panose="020B0604020202020204" pitchFamily="34" charset="0"/>
         <a:buChar char="•"/>
-        <a:defRPr sz="2000" kern="1200">
+        <a:defRPr sz="1467" kern="1200">
           <a:solidFill>
             <a:schemeClr val="tx1"/>
           </a:solidFill>
@@ -2743,16 +2748,16 @@
           <a:cs typeface="+mn-cs"/>
         </a:defRPr>
       </a:lvl3pPr>
-      <a:lvl4pPr marL="1600200" indent="-228600" algn="l" defTabSz="914400" rtl="0" eaLnBrk="1" latinLnBrk="0" hangingPunct="1">
+      <a:lvl4pPr marL="1173427" indent="-167632" algn="l" defTabSz="670530" rtl="0" eaLnBrk="1" latinLnBrk="0" hangingPunct="1">
         <a:lnSpc>
           <a:spcPct val="90000"/>
         </a:lnSpc>
         <a:spcBef>
-          <a:spcPts val="500"/>
+          <a:spcPts val="367"/>
         </a:spcBef>
         <a:buFont typeface="Arial" panose="020B0604020202020204" pitchFamily="34" charset="0"/>
         <a:buChar char="•"/>
-        <a:defRPr sz="1800" kern="1200">
+        <a:defRPr sz="1320" kern="1200">
           <a:solidFill>
             <a:schemeClr val="tx1"/>
           </a:solidFill>
@@ -2761,16 +2766,16 @@
           <a:cs typeface="+mn-cs"/>
         </a:defRPr>
       </a:lvl4pPr>
-      <a:lvl5pPr marL="2057400" indent="-228600" algn="l" defTabSz="914400" rtl="0" eaLnBrk="1" latinLnBrk="0" hangingPunct="1">
+      <a:lvl5pPr marL="1508691" indent="-167632" algn="l" defTabSz="670530" rtl="0" eaLnBrk="1" latinLnBrk="0" hangingPunct="1">
         <a:lnSpc>
           <a:spcPct val="90000"/>
         </a:lnSpc>
         <a:spcBef>
-          <a:spcPts val="500"/>
+          <a:spcPts val="367"/>
         </a:spcBef>
         <a:buFont typeface="Arial" panose="020B0604020202020204" pitchFamily="34" charset="0"/>
         <a:buChar char="•"/>
-        <a:defRPr sz="1800" kern="1200">
+        <a:defRPr sz="1320" kern="1200">
           <a:solidFill>
             <a:schemeClr val="tx1"/>
           </a:solidFill>
@@ -2779,16 +2784,16 @@
           <a:cs typeface="+mn-cs"/>
         </a:defRPr>
       </a:lvl5pPr>
-      <a:lvl6pPr marL="2514600" indent="-228600" algn="l" defTabSz="914400" rtl="0" eaLnBrk="1" latinLnBrk="0" hangingPunct="1">
+      <a:lvl6pPr marL="1843956" indent="-167632" algn="l" defTabSz="670530" rtl="0" eaLnBrk="1" latinLnBrk="0" hangingPunct="1">
         <a:lnSpc>
           <a:spcPct val="90000"/>
         </a:lnSpc>
         <a:spcBef>
-          <a:spcPts val="500"/>
+          <a:spcPts val="367"/>
         </a:spcBef>
         <a:buFont typeface="Arial" panose="020B0604020202020204" pitchFamily="34" charset="0"/>
         <a:buChar char="•"/>
-        <a:defRPr sz="1800" kern="1200">
+        <a:defRPr sz="1320" kern="1200">
           <a:solidFill>
             <a:schemeClr val="tx1"/>
           </a:solidFill>
@@ -2797,16 +2802,16 @@
           <a:cs typeface="+mn-cs"/>
         </a:defRPr>
       </a:lvl6pPr>
-      <a:lvl7pPr marL="2971800" indent="-228600" algn="l" defTabSz="914400" rtl="0" eaLnBrk="1" latinLnBrk="0" hangingPunct="1">
+      <a:lvl7pPr marL="2179221" indent="-167632" algn="l" defTabSz="670530" rtl="0" eaLnBrk="1" latinLnBrk="0" hangingPunct="1">
         <a:lnSpc>
           <a:spcPct val="90000"/>
         </a:lnSpc>
         <a:spcBef>
-          <a:spcPts val="500"/>
+          <a:spcPts val="367"/>
         </a:spcBef>
         <a:buFont typeface="Arial" panose="020B0604020202020204" pitchFamily="34" charset="0"/>
         <a:buChar char="•"/>
-        <a:defRPr sz="1800" kern="1200">
+        <a:defRPr sz="1320" kern="1200">
           <a:solidFill>
             <a:schemeClr val="tx1"/>
           </a:solidFill>
@@ -2815,16 +2820,16 @@
           <a:cs typeface="+mn-cs"/>
         </a:defRPr>
       </a:lvl7pPr>
-      <a:lvl8pPr marL="3429000" indent="-228600" algn="l" defTabSz="914400" rtl="0" eaLnBrk="1" latinLnBrk="0" hangingPunct="1">
+      <a:lvl8pPr marL="2514486" indent="-167632" algn="l" defTabSz="670530" rtl="0" eaLnBrk="1" latinLnBrk="0" hangingPunct="1">
         <a:lnSpc>
           <a:spcPct val="90000"/>
         </a:lnSpc>
         <a:spcBef>
-          <a:spcPts val="500"/>
+          <a:spcPts val="367"/>
         </a:spcBef>
         <a:buFont typeface="Arial" panose="020B0604020202020204" pitchFamily="34" charset="0"/>
         <a:buChar char="•"/>
-        <a:defRPr sz="1800" kern="1200">
+        <a:defRPr sz="1320" kern="1200">
           <a:solidFill>
             <a:schemeClr val="tx1"/>
           </a:solidFill>
@@ -2833,16 +2838,16 @@
           <a:cs typeface="+mn-cs"/>
         </a:defRPr>
       </a:lvl8pPr>
-      <a:lvl9pPr marL="3886200" indent="-228600" algn="l" defTabSz="914400" rtl="0" eaLnBrk="1" latinLnBrk="0" hangingPunct="1">
+      <a:lvl9pPr marL="2849750" indent="-167632" algn="l" defTabSz="670530" rtl="0" eaLnBrk="1" latinLnBrk="0" hangingPunct="1">
         <a:lnSpc>
           <a:spcPct val="90000"/>
         </a:lnSpc>
         <a:spcBef>
-          <a:spcPts val="500"/>
+          <a:spcPts val="367"/>
         </a:spcBef>
         <a:buFont typeface="Arial" panose="020B0604020202020204" pitchFamily="34" charset="0"/>
         <a:buChar char="•"/>
-        <a:defRPr sz="1800" kern="1200">
+        <a:defRPr sz="1320" kern="1200">
           <a:solidFill>
             <a:schemeClr val="tx1"/>
           </a:solidFill>
@@ -2856,8 +2861,8 @@
       <a:defPPr>
         <a:defRPr lang="en-US"/>
       </a:defPPr>
-      <a:lvl1pPr marL="0" algn="l" defTabSz="914400" rtl="0" eaLnBrk="1" latinLnBrk="0" hangingPunct="1">
-        <a:defRPr sz="1800" kern="1200">
+      <a:lvl1pPr marL="0" algn="l" defTabSz="670530" rtl="0" eaLnBrk="1" latinLnBrk="0" hangingPunct="1">
+        <a:defRPr sz="1320" kern="1200">
           <a:solidFill>
             <a:schemeClr val="tx1"/>
           </a:solidFill>
@@ -2866,8 +2871,8 @@
           <a:cs typeface="+mn-cs"/>
         </a:defRPr>
       </a:lvl1pPr>
-      <a:lvl2pPr marL="457200" algn="l" defTabSz="914400" rtl="0" eaLnBrk="1" latinLnBrk="0" hangingPunct="1">
-        <a:defRPr sz="1800" kern="1200">
+      <a:lvl2pPr marL="335265" algn="l" defTabSz="670530" rtl="0" eaLnBrk="1" latinLnBrk="0" hangingPunct="1">
+        <a:defRPr sz="1320" kern="1200">
           <a:solidFill>
             <a:schemeClr val="tx1"/>
           </a:solidFill>
@@ -2876,8 +2881,8 @@
           <a:cs typeface="+mn-cs"/>
         </a:defRPr>
       </a:lvl2pPr>
-      <a:lvl3pPr marL="914400" algn="l" defTabSz="914400" rtl="0" eaLnBrk="1" latinLnBrk="0" hangingPunct="1">
-        <a:defRPr sz="1800" kern="1200">
+      <a:lvl3pPr marL="670530" algn="l" defTabSz="670530" rtl="0" eaLnBrk="1" latinLnBrk="0" hangingPunct="1">
+        <a:defRPr sz="1320" kern="1200">
           <a:solidFill>
             <a:schemeClr val="tx1"/>
           </a:solidFill>
@@ -2886,8 +2891,8 @@
           <a:cs typeface="+mn-cs"/>
         </a:defRPr>
       </a:lvl3pPr>
-      <a:lvl4pPr marL="1371600" algn="l" defTabSz="914400" rtl="0" eaLnBrk="1" latinLnBrk="0" hangingPunct="1">
-        <a:defRPr sz="1800" kern="1200">
+      <a:lvl4pPr marL="1005794" algn="l" defTabSz="670530" rtl="0" eaLnBrk="1" latinLnBrk="0" hangingPunct="1">
+        <a:defRPr sz="1320" kern="1200">
           <a:solidFill>
             <a:schemeClr val="tx1"/>
           </a:solidFill>
@@ -2896,8 +2901,8 @@
           <a:cs typeface="+mn-cs"/>
         </a:defRPr>
       </a:lvl4pPr>
-      <a:lvl5pPr marL="1828800" algn="l" defTabSz="914400" rtl="0" eaLnBrk="1" latinLnBrk="0" hangingPunct="1">
-        <a:defRPr sz="1800" kern="1200">
+      <a:lvl5pPr marL="1341059" algn="l" defTabSz="670530" rtl="0" eaLnBrk="1" latinLnBrk="0" hangingPunct="1">
+        <a:defRPr sz="1320" kern="1200">
           <a:solidFill>
             <a:schemeClr val="tx1"/>
           </a:solidFill>
@@ -2906,8 +2911,8 @@
           <a:cs typeface="+mn-cs"/>
         </a:defRPr>
       </a:lvl5pPr>
-      <a:lvl6pPr marL="2286000" algn="l" defTabSz="914400" rtl="0" eaLnBrk="1" latinLnBrk="0" hangingPunct="1">
-        <a:defRPr sz="1800" kern="1200">
+      <a:lvl6pPr marL="1676324" algn="l" defTabSz="670530" rtl="0" eaLnBrk="1" latinLnBrk="0" hangingPunct="1">
+        <a:defRPr sz="1320" kern="1200">
           <a:solidFill>
             <a:schemeClr val="tx1"/>
           </a:solidFill>
@@ -2916,8 +2921,8 @@
           <a:cs typeface="+mn-cs"/>
         </a:defRPr>
       </a:lvl6pPr>
-      <a:lvl7pPr marL="2743200" algn="l" defTabSz="914400" rtl="0" eaLnBrk="1" latinLnBrk="0" hangingPunct="1">
-        <a:defRPr sz="1800" kern="1200">
+      <a:lvl7pPr marL="2011589" algn="l" defTabSz="670530" rtl="0" eaLnBrk="1" latinLnBrk="0" hangingPunct="1">
+        <a:defRPr sz="1320" kern="1200">
           <a:solidFill>
             <a:schemeClr val="tx1"/>
           </a:solidFill>
@@ -2926,8 +2931,8 @@
           <a:cs typeface="+mn-cs"/>
         </a:defRPr>
       </a:lvl7pPr>
-      <a:lvl8pPr marL="3200400" algn="l" defTabSz="914400" rtl="0" eaLnBrk="1" latinLnBrk="0" hangingPunct="1">
-        <a:defRPr sz="1800" kern="1200">
+      <a:lvl8pPr marL="2346853" algn="l" defTabSz="670530" rtl="0" eaLnBrk="1" latinLnBrk="0" hangingPunct="1">
+        <a:defRPr sz="1320" kern="1200">
           <a:solidFill>
             <a:schemeClr val="tx1"/>
           </a:solidFill>
@@ -2936,8 +2941,8 @@
           <a:cs typeface="+mn-cs"/>
         </a:defRPr>
       </a:lvl8pPr>
-      <a:lvl9pPr marL="3657600" algn="l" defTabSz="914400" rtl="0" eaLnBrk="1" latinLnBrk="0" hangingPunct="1">
-        <a:defRPr sz="1800" kern="1200">
+      <a:lvl9pPr marL="2682118" algn="l" defTabSz="670530" rtl="0" eaLnBrk="1" latinLnBrk="0" hangingPunct="1">
+        <a:defRPr sz="1320" kern="1200">
           <a:solidFill>
             <a:schemeClr val="tx1"/>
           </a:solidFill>
@@ -2970,10 +2975,10 @@
       </p:grpSpPr>
       <p:graphicFrame>
         <p:nvGraphicFramePr>
-          <p:cNvPr id="29" name="Table 28">
+          <p:cNvPr id="110" name="Table 109">
             <a:extLst>
               <a:ext uri="{FF2B5EF4-FFF2-40B4-BE49-F238E27FC236}">
-                <a16:creationId xmlns:a16="http://schemas.microsoft.com/office/drawing/2014/main" id="{7FAEE485-E9C2-409B-9E57-E15BC3AFE8E5}"/>
+                <a16:creationId xmlns:a16="http://schemas.microsoft.com/office/drawing/2014/main" id="{AECD69D3-C18B-40DB-9CC5-5461759D7972}"/>
               </a:ext>
             </a:extLst>
           </p:cNvPr>
@@ -2983,14 +2988,14 @@
           <p:nvPr>
             <p:extLst>
               <p:ext uri="{D42A27DB-BD31-4B8C-83A1-F6EECF244321}">
-                <p14:modId xmlns:p14="http://schemas.microsoft.com/office/powerpoint/2010/main" val="792753512"/>
+                <p14:modId xmlns:p14="http://schemas.microsoft.com/office/powerpoint/2010/main" val="2899472817"/>
               </p:ext>
             </p:extLst>
           </p:nvPr>
         </p:nvGraphicFramePr>
         <p:xfrm>
-          <a:off x="402770" y="412954"/>
-          <a:ext cx="6818814" cy="5947956"/>
+          <a:off x="165962" y="408972"/>
+          <a:ext cx="4171050" cy="3638346"/>
         </p:xfrm>
         <a:graphic>
           <a:graphicData uri="http://schemas.openxmlformats.org/drawingml/2006/table">
@@ -2999,42 +3004,42 @@
                 <a:tableStyleId>{5C22544A-7EE6-4342-B048-85BDC9FD1C3A}</a:tableStyleId>
               </a:tblPr>
               <a:tblGrid>
-                <a:gridCol w="1136469">
+                <a:gridCol w="695175">
                   <a:extLst>
                     <a:ext uri="{9D8B030D-6E8A-4147-A177-3AD203B41FA5}">
                       <a16:colId xmlns:a16="http://schemas.microsoft.com/office/drawing/2014/main" val="1049261243"/>
                     </a:ext>
                   </a:extLst>
                 </a:gridCol>
-                <a:gridCol w="1136469">
+                <a:gridCol w="695175">
                   <a:extLst>
                     <a:ext uri="{9D8B030D-6E8A-4147-A177-3AD203B41FA5}">
                       <a16:colId xmlns:a16="http://schemas.microsoft.com/office/drawing/2014/main" val="2103895917"/>
                     </a:ext>
                   </a:extLst>
                 </a:gridCol>
-                <a:gridCol w="1136469">
+                <a:gridCol w="695175">
                   <a:extLst>
                     <a:ext uri="{9D8B030D-6E8A-4147-A177-3AD203B41FA5}">
                       <a16:colId xmlns:a16="http://schemas.microsoft.com/office/drawing/2014/main" val="1478607400"/>
                     </a:ext>
                   </a:extLst>
                 </a:gridCol>
-                <a:gridCol w="1136469">
+                <a:gridCol w="695175">
                   <a:extLst>
                     <a:ext uri="{9D8B030D-6E8A-4147-A177-3AD203B41FA5}">
                       <a16:colId xmlns:a16="http://schemas.microsoft.com/office/drawing/2014/main" val="2574020142"/>
                     </a:ext>
                   </a:extLst>
                 </a:gridCol>
-                <a:gridCol w="1136469">
+                <a:gridCol w="695175">
                   <a:extLst>
                     <a:ext uri="{9D8B030D-6E8A-4147-A177-3AD203B41FA5}">
                       <a16:colId xmlns:a16="http://schemas.microsoft.com/office/drawing/2014/main" val="1994515883"/>
                     </a:ext>
                   </a:extLst>
                 </a:gridCol>
-                <a:gridCol w="1136469">
+                <a:gridCol w="695175">
                   <a:extLst>
                     <a:ext uri="{9D8B030D-6E8A-4147-A177-3AD203B41FA5}">
                       <a16:colId xmlns:a16="http://schemas.microsoft.com/office/drawing/2014/main" val="360802583"/>
@@ -3042,16 +3047,16 @@
                   </a:extLst>
                 </a:gridCol>
               </a:tblGrid>
-              <a:tr h="991326">
+              <a:tr h="606391">
                 <a:tc>
                   <a:txBody>
                     <a:bodyPr/>
                     <a:lstStyle/>
                     <a:p>
-                      <a:endParaRPr lang="en-US" dirty="0"/>
+                      <a:endParaRPr lang="en-US" sz="700" dirty="0"/>
                     </a:p>
                   </a:txBody>
-                  <a:tcPr>
+                  <a:tcPr marL="55934" marR="55934" marT="27967" marB="27967">
                     <a:lnL w="12700" cap="flat" cmpd="sng" algn="ctr">
                       <a:solidFill>
                         <a:schemeClr val="tx1"/>
@@ -3106,10 +3111,10 @@
                     <a:bodyPr/>
                     <a:lstStyle/>
                     <a:p>
-                      <a:endParaRPr lang="en-US" dirty="0"/>
+                      <a:endParaRPr lang="en-US" sz="700" dirty="0"/>
                     </a:p>
                   </a:txBody>
-                  <a:tcPr>
+                  <a:tcPr marL="55934" marR="55934" marT="27967" marB="27967">
                     <a:lnL w="12700" cap="flat" cmpd="sng" algn="ctr">
                       <a:solidFill>
                         <a:schemeClr val="tx1"/>
@@ -3164,10 +3169,10 @@
                     <a:bodyPr/>
                     <a:lstStyle/>
                     <a:p>
-                      <a:endParaRPr lang="en-US"/>
+                      <a:endParaRPr lang="en-US" sz="700" dirty="0"/>
                     </a:p>
                   </a:txBody>
-                  <a:tcPr>
+                  <a:tcPr marL="55934" marR="55934" marT="27967" marB="27967">
                     <a:lnL w="12700" cap="flat" cmpd="sng" algn="ctr">
                       <a:solidFill>
                         <a:schemeClr val="tx1"/>
@@ -3222,10 +3227,10 @@
                     <a:bodyPr/>
                     <a:lstStyle/>
                     <a:p>
-                      <a:endParaRPr lang="en-US" dirty="0"/>
+                      <a:endParaRPr lang="en-US" sz="700" dirty="0"/>
                     </a:p>
                   </a:txBody>
-                  <a:tcPr>
+                  <a:tcPr marL="55934" marR="55934" marT="27967" marB="27967">
                     <a:lnL w="12700" cap="flat" cmpd="sng" algn="ctr">
                       <a:solidFill>
                         <a:schemeClr val="tx1"/>
@@ -3280,10 +3285,10 @@
                     <a:bodyPr/>
                     <a:lstStyle/>
                     <a:p>
-                      <a:endParaRPr lang="en-US"/>
+                      <a:endParaRPr lang="en-US" sz="700"/>
                     </a:p>
                   </a:txBody>
-                  <a:tcPr>
+                  <a:tcPr marL="55934" marR="55934" marT="27967" marB="27967">
                     <a:lnL w="12700" cap="flat" cmpd="sng" algn="ctr">
                       <a:solidFill>
                         <a:schemeClr val="tx1"/>
@@ -3338,10 +3343,10 @@
                     <a:bodyPr/>
                     <a:lstStyle/>
                     <a:p>
-                      <a:endParaRPr lang="en-US"/>
+                      <a:endParaRPr lang="en-US" sz="700" dirty="0"/>
                     </a:p>
                   </a:txBody>
-                  <a:tcPr>
+                  <a:tcPr marL="55934" marR="55934" marT="27967" marB="27967">
                     <a:lnL w="12700" cap="flat" cmpd="sng" algn="ctr">
                       <a:solidFill>
                         <a:schemeClr val="tx1"/>
@@ -3397,16 +3402,16 @@
                   </a:ext>
                 </a:extLst>
               </a:tr>
-              <a:tr h="991326">
+              <a:tr h="606391">
                 <a:tc>
                   <a:txBody>
                     <a:bodyPr/>
                     <a:lstStyle/>
                     <a:p>
-                      <a:endParaRPr lang="en-US" dirty="0"/>
+                      <a:endParaRPr lang="en-US" sz="700" dirty="0"/>
                     </a:p>
                   </a:txBody>
-                  <a:tcPr>
+                  <a:tcPr marL="55934" marR="55934" marT="27967" marB="27967">
                     <a:lnL w="12700" cap="flat" cmpd="sng" algn="ctr">
                       <a:solidFill>
                         <a:schemeClr val="tx1"/>
@@ -3461,10 +3466,10 @@
                     <a:bodyPr/>
                     <a:lstStyle/>
                     <a:p>
-                      <a:endParaRPr lang="en-US"/>
+                      <a:endParaRPr lang="en-US" sz="700"/>
                     </a:p>
                   </a:txBody>
-                  <a:tcPr>
+                  <a:tcPr marL="55934" marR="55934" marT="27967" marB="27967">
                     <a:lnL w="12700" cap="flat" cmpd="sng" algn="ctr">
                       <a:solidFill>
                         <a:schemeClr val="tx1"/>
@@ -3519,10 +3524,10 @@
                     <a:bodyPr/>
                     <a:lstStyle/>
                     <a:p>
-                      <a:endParaRPr lang="en-US"/>
+                      <a:endParaRPr lang="en-US" sz="700"/>
                     </a:p>
                   </a:txBody>
-                  <a:tcPr>
+                  <a:tcPr marL="55934" marR="55934" marT="27967" marB="27967">
                     <a:lnL w="12700" cap="flat" cmpd="sng" algn="ctr">
                       <a:solidFill>
                         <a:schemeClr val="tx1"/>
@@ -3577,10 +3582,10 @@
                     <a:bodyPr/>
                     <a:lstStyle/>
                     <a:p>
-                      <a:endParaRPr lang="en-US"/>
+                      <a:endParaRPr lang="en-US" sz="700"/>
                     </a:p>
                   </a:txBody>
-                  <a:tcPr>
+                  <a:tcPr marL="55934" marR="55934" marT="27967" marB="27967">
                     <a:lnL w="12700" cap="flat" cmpd="sng" algn="ctr">
                       <a:solidFill>
                         <a:schemeClr val="tx1"/>
@@ -3635,10 +3640,10 @@
                     <a:bodyPr/>
                     <a:lstStyle/>
                     <a:p>
-                      <a:endParaRPr lang="en-US"/>
+                      <a:endParaRPr lang="en-US" sz="700"/>
                     </a:p>
                   </a:txBody>
-                  <a:tcPr>
+                  <a:tcPr marL="55934" marR="55934" marT="27967" marB="27967">
                     <a:lnL w="12700" cap="flat" cmpd="sng" algn="ctr">
                       <a:solidFill>
                         <a:schemeClr val="tx1"/>
@@ -3693,10 +3698,10 @@
                     <a:bodyPr/>
                     <a:lstStyle/>
                     <a:p>
-                      <a:endParaRPr lang="en-US"/>
+                      <a:endParaRPr lang="en-US" sz="700"/>
                     </a:p>
                   </a:txBody>
-                  <a:tcPr>
+                  <a:tcPr marL="55934" marR="55934" marT="27967" marB="27967">
                     <a:lnL w="12700" cap="flat" cmpd="sng" algn="ctr">
                       <a:solidFill>
                         <a:schemeClr val="tx1"/>
@@ -3752,16 +3757,16 @@
                   </a:ext>
                 </a:extLst>
               </a:tr>
-              <a:tr h="991326">
+              <a:tr h="606391">
                 <a:tc>
                   <a:txBody>
                     <a:bodyPr/>
                     <a:lstStyle/>
                     <a:p>
-                      <a:endParaRPr lang="en-US"/>
+                      <a:endParaRPr lang="en-US" sz="700"/>
                     </a:p>
                   </a:txBody>
-                  <a:tcPr>
+                  <a:tcPr marL="55934" marR="55934" marT="27967" marB="27967">
                     <a:lnL w="12700" cap="flat" cmpd="sng" algn="ctr">
                       <a:solidFill>
                         <a:schemeClr val="tx1"/>
@@ -3816,10 +3821,10 @@
                     <a:bodyPr/>
                     <a:lstStyle/>
                     <a:p>
-                      <a:endParaRPr lang="en-US"/>
+                      <a:endParaRPr lang="en-US" sz="700"/>
                     </a:p>
                   </a:txBody>
-                  <a:tcPr>
+                  <a:tcPr marL="55934" marR="55934" marT="27967" marB="27967">
                     <a:lnL w="12700" cap="flat" cmpd="sng" algn="ctr">
                       <a:solidFill>
                         <a:schemeClr val="tx1"/>
@@ -3874,10 +3879,10 @@
                     <a:bodyPr/>
                     <a:lstStyle/>
                     <a:p>
-                      <a:endParaRPr lang="en-US" dirty="0"/>
+                      <a:endParaRPr lang="en-US" sz="700" dirty="0"/>
                     </a:p>
                   </a:txBody>
-                  <a:tcPr>
+                  <a:tcPr marL="55934" marR="55934" marT="27967" marB="27967">
                     <a:lnL w="12700" cap="flat" cmpd="sng" algn="ctr">
                       <a:solidFill>
                         <a:schemeClr val="tx1"/>
@@ -3932,10 +3937,10 @@
                     <a:bodyPr/>
                     <a:lstStyle/>
                     <a:p>
-                      <a:endParaRPr lang="en-US"/>
+                      <a:endParaRPr lang="en-US" sz="700"/>
                     </a:p>
                   </a:txBody>
-                  <a:tcPr>
+                  <a:tcPr marL="55934" marR="55934" marT="27967" marB="27967">
                     <a:lnL w="12700" cap="flat" cmpd="sng" algn="ctr">
                       <a:solidFill>
                         <a:schemeClr val="tx1"/>
@@ -3990,10 +3995,10 @@
                     <a:bodyPr/>
                     <a:lstStyle/>
                     <a:p>
-                      <a:endParaRPr lang="en-US"/>
+                      <a:endParaRPr lang="en-US" sz="700"/>
                     </a:p>
                   </a:txBody>
-                  <a:tcPr>
+                  <a:tcPr marL="55934" marR="55934" marT="27967" marB="27967">
                     <a:lnL w="12700" cap="flat" cmpd="sng" algn="ctr">
                       <a:solidFill>
                         <a:schemeClr val="tx1"/>
@@ -4048,10 +4053,10 @@
                     <a:bodyPr/>
                     <a:lstStyle/>
                     <a:p>
-                      <a:endParaRPr lang="en-US"/>
+                      <a:endParaRPr lang="en-US" sz="700"/>
                     </a:p>
                   </a:txBody>
-                  <a:tcPr>
+                  <a:tcPr marL="55934" marR="55934" marT="27967" marB="27967">
                     <a:lnL w="12700" cap="flat" cmpd="sng" algn="ctr">
                       <a:solidFill>
                         <a:schemeClr val="tx1"/>
@@ -4107,16 +4112,16 @@
                   </a:ext>
                 </a:extLst>
               </a:tr>
-              <a:tr h="991326">
+              <a:tr h="606391">
                 <a:tc>
                   <a:txBody>
                     <a:bodyPr/>
                     <a:lstStyle/>
                     <a:p>
-                      <a:endParaRPr lang="en-US"/>
+                      <a:endParaRPr lang="en-US" sz="700"/>
                     </a:p>
                   </a:txBody>
-                  <a:tcPr>
+                  <a:tcPr marL="55934" marR="55934" marT="27967" marB="27967">
                     <a:lnL w="12700" cap="flat" cmpd="sng" algn="ctr">
                       <a:solidFill>
                         <a:schemeClr val="tx1"/>
@@ -4171,10 +4176,10 @@
                     <a:bodyPr/>
                     <a:lstStyle/>
                     <a:p>
-                      <a:endParaRPr lang="en-US"/>
+                      <a:endParaRPr lang="en-US" sz="700"/>
                     </a:p>
                   </a:txBody>
-                  <a:tcPr>
+                  <a:tcPr marL="55934" marR="55934" marT="27967" marB="27967">
                     <a:lnL w="12700" cap="flat" cmpd="sng" algn="ctr">
                       <a:solidFill>
                         <a:schemeClr val="tx1"/>
@@ -4229,10 +4234,10 @@
                     <a:bodyPr/>
                     <a:lstStyle/>
                     <a:p>
-                      <a:endParaRPr lang="en-US" dirty="0"/>
+                      <a:endParaRPr lang="en-US" sz="700" dirty="0"/>
                     </a:p>
                   </a:txBody>
-                  <a:tcPr>
+                  <a:tcPr marL="55934" marR="55934" marT="27967" marB="27967">
                     <a:lnL w="12700" cap="flat" cmpd="sng" algn="ctr">
                       <a:solidFill>
                         <a:schemeClr val="tx1"/>
@@ -4287,10 +4292,10 @@
                     <a:bodyPr/>
                     <a:lstStyle/>
                     <a:p>
-                      <a:endParaRPr lang="en-US"/>
+                      <a:endParaRPr lang="en-US" sz="700"/>
                     </a:p>
                   </a:txBody>
-                  <a:tcPr>
+                  <a:tcPr marL="55934" marR="55934" marT="27967" marB="27967">
                     <a:lnL w="12700" cap="flat" cmpd="sng" algn="ctr">
                       <a:solidFill>
                         <a:schemeClr val="tx1"/>
@@ -4345,10 +4350,10 @@
                     <a:bodyPr/>
                     <a:lstStyle/>
                     <a:p>
-                      <a:endParaRPr lang="en-US"/>
+                      <a:endParaRPr lang="en-US" sz="700"/>
                     </a:p>
                   </a:txBody>
-                  <a:tcPr>
+                  <a:tcPr marL="55934" marR="55934" marT="27967" marB="27967">
                     <a:lnL w="12700" cap="flat" cmpd="sng" algn="ctr">
                       <a:solidFill>
                         <a:schemeClr val="tx1"/>
@@ -4403,10 +4408,10 @@
                     <a:bodyPr/>
                     <a:lstStyle/>
                     <a:p>
-                      <a:endParaRPr lang="en-US"/>
+                      <a:endParaRPr lang="en-US" sz="700"/>
                     </a:p>
                   </a:txBody>
-                  <a:tcPr>
+                  <a:tcPr marL="55934" marR="55934" marT="27967" marB="27967">
                     <a:lnL w="12700" cap="flat" cmpd="sng" algn="ctr">
                       <a:solidFill>
                         <a:schemeClr val="tx1"/>
@@ -4462,16 +4467,16 @@
                   </a:ext>
                 </a:extLst>
               </a:tr>
-              <a:tr h="991326">
+              <a:tr h="606391">
                 <a:tc>
                   <a:txBody>
                     <a:bodyPr/>
                     <a:lstStyle/>
                     <a:p>
-                      <a:endParaRPr lang="en-US"/>
+                      <a:endParaRPr lang="en-US" sz="700"/>
                     </a:p>
                   </a:txBody>
-                  <a:tcPr>
+                  <a:tcPr marL="55934" marR="55934" marT="27967" marB="27967">
                     <a:lnL w="12700" cap="flat" cmpd="sng" algn="ctr">
                       <a:solidFill>
                         <a:schemeClr val="tx1"/>
@@ -4526,10 +4531,10 @@
                     <a:bodyPr/>
                     <a:lstStyle/>
                     <a:p>
-                      <a:endParaRPr lang="en-US"/>
+                      <a:endParaRPr lang="en-US" sz="700"/>
                     </a:p>
                   </a:txBody>
-                  <a:tcPr>
+                  <a:tcPr marL="55934" marR="55934" marT="27967" marB="27967">
                     <a:lnL w="12700" cap="flat" cmpd="sng" algn="ctr">
                       <a:solidFill>
                         <a:schemeClr val="tx1"/>
@@ -4584,10 +4589,10 @@
                     <a:bodyPr/>
                     <a:lstStyle/>
                     <a:p>
-                      <a:endParaRPr lang="en-US"/>
+                      <a:endParaRPr lang="en-US" sz="700"/>
                     </a:p>
                   </a:txBody>
-                  <a:tcPr>
+                  <a:tcPr marL="55934" marR="55934" marT="27967" marB="27967">
                     <a:lnL w="12700" cap="flat" cmpd="sng" algn="ctr">
                       <a:solidFill>
                         <a:schemeClr val="tx1"/>
@@ -4642,10 +4647,10 @@
                     <a:bodyPr/>
                     <a:lstStyle/>
                     <a:p>
-                      <a:endParaRPr lang="en-US" dirty="0"/>
+                      <a:endParaRPr lang="en-US" sz="700" dirty="0"/>
                     </a:p>
                   </a:txBody>
-                  <a:tcPr>
+                  <a:tcPr marL="55934" marR="55934" marT="27967" marB="27967">
                     <a:lnL w="12700" cap="flat" cmpd="sng" algn="ctr">
                       <a:solidFill>
                         <a:schemeClr val="tx1"/>
@@ -4700,10 +4705,10 @@
                     <a:bodyPr/>
                     <a:lstStyle/>
                     <a:p>
-                      <a:endParaRPr lang="en-US" dirty="0"/>
+                      <a:endParaRPr lang="en-US" sz="700" dirty="0"/>
                     </a:p>
                   </a:txBody>
-                  <a:tcPr>
+                  <a:tcPr marL="55934" marR="55934" marT="27967" marB="27967">
                     <a:lnL w="12700" cap="flat" cmpd="sng" algn="ctr">
                       <a:solidFill>
                         <a:schemeClr val="tx1"/>
@@ -4758,10 +4763,10 @@
                     <a:bodyPr/>
                     <a:lstStyle/>
                     <a:p>
-                      <a:endParaRPr lang="en-US"/>
+                      <a:endParaRPr lang="en-US" sz="700"/>
                     </a:p>
                   </a:txBody>
-                  <a:tcPr>
+                  <a:tcPr marL="55934" marR="55934" marT="27967" marB="27967">
                     <a:lnL w="12700" cap="flat" cmpd="sng" algn="ctr">
                       <a:solidFill>
                         <a:schemeClr val="tx1"/>
@@ -4817,16 +4822,16 @@
                   </a:ext>
                 </a:extLst>
               </a:tr>
-              <a:tr h="991326">
+              <a:tr h="606391">
                 <a:tc>
                   <a:txBody>
                     <a:bodyPr/>
                     <a:lstStyle/>
                     <a:p>
-                      <a:endParaRPr lang="en-US"/>
+                      <a:endParaRPr lang="en-US" sz="700"/>
                     </a:p>
                   </a:txBody>
-                  <a:tcPr>
+                  <a:tcPr marL="55934" marR="55934" marT="27967" marB="27967">
                     <a:lnL w="12700" cap="flat" cmpd="sng" algn="ctr">
                       <a:solidFill>
                         <a:schemeClr val="tx1"/>
@@ -4881,10 +4886,10 @@
                     <a:bodyPr/>
                     <a:lstStyle/>
                     <a:p>
-                      <a:endParaRPr lang="en-US" dirty="0"/>
+                      <a:endParaRPr lang="en-US" sz="700" dirty="0"/>
                     </a:p>
                   </a:txBody>
-                  <a:tcPr>
+                  <a:tcPr marL="55934" marR="55934" marT="27967" marB="27967">
                     <a:lnL w="12700" cap="flat" cmpd="sng" algn="ctr">
                       <a:solidFill>
                         <a:schemeClr val="tx1"/>
@@ -4939,10 +4944,10 @@
                     <a:bodyPr/>
                     <a:lstStyle/>
                     <a:p>
-                      <a:endParaRPr lang="en-US"/>
+                      <a:endParaRPr lang="en-US" sz="700"/>
                     </a:p>
                   </a:txBody>
-                  <a:tcPr>
+                  <a:tcPr marL="55934" marR="55934" marT="27967" marB="27967">
                     <a:lnL w="12700" cap="flat" cmpd="sng" algn="ctr">
                       <a:solidFill>
                         <a:schemeClr val="tx1"/>
@@ -4997,10 +5002,10 @@
                     <a:bodyPr/>
                     <a:lstStyle/>
                     <a:p>
-                      <a:endParaRPr lang="en-US"/>
+                      <a:endParaRPr lang="en-US" sz="700"/>
                     </a:p>
                   </a:txBody>
-                  <a:tcPr>
+                  <a:tcPr marL="55934" marR="55934" marT="27967" marB="27967">
                     <a:lnL w="12700" cap="flat" cmpd="sng" algn="ctr">
                       <a:solidFill>
                         <a:schemeClr val="tx1"/>
@@ -5055,10 +5060,10 @@
                     <a:bodyPr/>
                     <a:lstStyle/>
                     <a:p>
-                      <a:endParaRPr lang="en-US"/>
+                      <a:endParaRPr lang="en-US" sz="700"/>
                     </a:p>
                   </a:txBody>
-                  <a:tcPr>
+                  <a:tcPr marL="55934" marR="55934" marT="27967" marB="27967">
                     <a:lnL w="12700" cap="flat" cmpd="sng" algn="ctr">
                       <a:solidFill>
                         <a:schemeClr val="tx1"/>
@@ -5113,10 +5118,10 @@
                     <a:bodyPr/>
                     <a:lstStyle/>
                     <a:p>
-                      <a:endParaRPr lang="en-US" dirty="0"/>
+                      <a:endParaRPr lang="en-US" sz="700" dirty="0"/>
                     </a:p>
                   </a:txBody>
-                  <a:tcPr>
+                  <a:tcPr marL="55934" marR="55934" marT="27967" marB="27967">
                     <a:lnL w="12700" cap="flat" cmpd="sng" algn="ctr">
                       <a:solidFill>
                         <a:schemeClr val="tx1"/>
@@ -5178,10 +5183,10 @@
       </p:graphicFrame>
       <p:sp>
         <p:nvSpPr>
-          <p:cNvPr id="30" name="Oval 29">
+          <p:cNvPr id="111" name="Oval 110">
             <a:extLst>
               <a:ext uri="{FF2B5EF4-FFF2-40B4-BE49-F238E27FC236}">
-                <a16:creationId xmlns:a16="http://schemas.microsoft.com/office/drawing/2014/main" id="{4300BBD2-FE27-426B-8F4B-5311C4C1F0BB}"/>
+                <a16:creationId xmlns:a16="http://schemas.microsoft.com/office/drawing/2014/main" id="{6E25ACB5-7841-4FE2-BD25-CFA2B149BF65}"/>
               </a:ext>
             </a:extLst>
           </p:cNvPr>
@@ -5190,8 +5195,8 @@
         </p:nvSpPr>
         <p:spPr>
           <a:xfrm>
-            <a:off x="1874517" y="665501"/>
-            <a:ext cx="470263" cy="452846"/>
+            <a:off x="1058590" y="557894"/>
+            <a:ext cx="287658" cy="277004"/>
           </a:xfrm>
           <a:prstGeom prst="ellipse">
             <a:avLst/>
@@ -5224,10 +5229,10 @@
       </p:sp>
       <p:sp>
         <p:nvSpPr>
-          <p:cNvPr id="31" name="Oval 30">
+          <p:cNvPr id="112" name="Oval 111">
             <a:extLst>
               <a:ext uri="{FF2B5EF4-FFF2-40B4-BE49-F238E27FC236}">
-                <a16:creationId xmlns:a16="http://schemas.microsoft.com/office/drawing/2014/main" id="{CF1E03EE-3664-4FC5-9F7B-45845D3682A3}"/>
+                <a16:creationId xmlns:a16="http://schemas.microsoft.com/office/drawing/2014/main" id="{45D2AE9A-B168-4A31-9382-3E7E704D4678}"/>
               </a:ext>
             </a:extLst>
           </p:cNvPr>
@@ -5236,8 +5241,8 @@
         </p:nvSpPr>
         <p:spPr>
           <a:xfrm>
-            <a:off x="729340" y="1697466"/>
-            <a:ext cx="470263" cy="452846"/>
+            <a:off x="367566" y="1182944"/>
+            <a:ext cx="287658" cy="277004"/>
           </a:xfrm>
           <a:prstGeom prst="ellipse">
             <a:avLst/>
@@ -5270,10 +5275,10 @@
       </p:sp>
       <p:sp>
         <p:nvSpPr>
-          <p:cNvPr id="32" name="TextBox 31">
+          <p:cNvPr id="113" name="TextBox 112">
             <a:extLst>
               <a:ext uri="{FF2B5EF4-FFF2-40B4-BE49-F238E27FC236}">
-                <a16:creationId xmlns:a16="http://schemas.microsoft.com/office/drawing/2014/main" id="{2D04F15B-5A06-4097-9DEC-6757647052A4}"/>
+                <a16:creationId xmlns:a16="http://schemas.microsoft.com/office/drawing/2014/main" id="{868CE56C-34FA-4A21-91B1-E07564113A85}"/>
               </a:ext>
             </a:extLst>
           </p:cNvPr>
@@ -5282,8 +5287,8 @@
         </p:nvSpPr>
         <p:spPr>
           <a:xfrm>
-            <a:off x="1199603" y="364274"/>
-            <a:ext cx="1894117" cy="369332"/>
+            <a:off x="623107" y="73667"/>
+            <a:ext cx="1158624" cy="369332"/>
           </a:xfrm>
           <a:prstGeom prst="rect">
             <a:avLst/>
@@ -5309,10 +5314,10 @@
       </p:sp>
       <p:sp>
         <p:nvSpPr>
-          <p:cNvPr id="33" name="Star: 5 Points 32">
+          <p:cNvPr id="114" name="Star: 5 Points 113">
             <a:extLst>
               <a:ext uri="{FF2B5EF4-FFF2-40B4-BE49-F238E27FC236}">
-                <a16:creationId xmlns:a16="http://schemas.microsoft.com/office/drawing/2014/main" id="{F1F1D527-5EF7-4BF3-B8BE-71450B2B7BA7}"/>
+                <a16:creationId xmlns:a16="http://schemas.microsoft.com/office/drawing/2014/main" id="{A061F1DD-35DF-43F1-9C8F-35BA867836C7}"/>
               </a:ext>
             </a:extLst>
           </p:cNvPr>
@@ -5321,8 +5326,8 @@
         </p:nvSpPr>
         <p:spPr>
           <a:xfrm>
-            <a:off x="1774368" y="5669584"/>
-            <a:ext cx="670560" cy="509453"/>
+            <a:off x="997329" y="3533884"/>
+            <a:ext cx="382721" cy="369332"/>
           </a:xfrm>
           <a:prstGeom prst="star5">
             <a:avLst/>
@@ -5349,16 +5354,16 @@
           <a:lstStyle/>
           <a:p>
             <a:pPr algn="ctr"/>
-            <a:endParaRPr lang="en-US"/>
+            <a:endParaRPr lang="en-US" dirty="0"/>
           </a:p>
         </p:txBody>
       </p:sp>
       <p:sp>
         <p:nvSpPr>
-          <p:cNvPr id="35" name="Star: 5 Points 34">
+          <p:cNvPr id="115" name="Star: 5 Points 114">
             <a:extLst>
               <a:ext uri="{FF2B5EF4-FFF2-40B4-BE49-F238E27FC236}">
-                <a16:creationId xmlns:a16="http://schemas.microsoft.com/office/drawing/2014/main" id="{10C0F44B-FCF1-44EA-8818-8069C5483B1B}"/>
+                <a16:creationId xmlns:a16="http://schemas.microsoft.com/office/drawing/2014/main" id="{FD5CCA47-C42C-43D4-AB93-E0B43A6A7C5F}"/>
               </a:ext>
             </a:extLst>
           </p:cNvPr>
@@ -5367,8 +5372,8 @@
         </p:nvSpPr>
         <p:spPr>
           <a:xfrm>
-            <a:off x="6298470" y="4663357"/>
-            <a:ext cx="670560" cy="509453"/>
+            <a:off x="3768527" y="3562734"/>
+            <a:ext cx="410180" cy="311631"/>
           </a:xfrm>
           <a:prstGeom prst="star5">
             <a:avLst/>
@@ -5409,10 +5414,10 @@
       </p:sp>
       <p:sp>
         <p:nvSpPr>
-          <p:cNvPr id="36" name="TextBox 35">
+          <p:cNvPr id="116" name="TextBox 115">
             <a:extLst>
               <a:ext uri="{FF2B5EF4-FFF2-40B4-BE49-F238E27FC236}">
-                <a16:creationId xmlns:a16="http://schemas.microsoft.com/office/drawing/2014/main" id="{E88D00C7-FC9F-43C6-9939-B2A67888AAAD}"/>
+                <a16:creationId xmlns:a16="http://schemas.microsoft.com/office/drawing/2014/main" id="{91F9814D-A088-4258-B4C6-EBB4168A656F}"/>
               </a:ext>
             </a:extLst>
           </p:cNvPr>
@@ -5421,8 +5426,8 @@
         </p:nvSpPr>
         <p:spPr>
           <a:xfrm>
-            <a:off x="5686691" y="4329480"/>
-            <a:ext cx="1894117" cy="369332"/>
+            <a:off x="3592184" y="4003353"/>
+            <a:ext cx="1158624" cy="369332"/>
           </a:xfrm>
           <a:prstGeom prst="rect">
             <a:avLst/>
@@ -5448,10 +5453,10 @@
       </p:sp>
       <p:graphicFrame>
         <p:nvGraphicFramePr>
-          <p:cNvPr id="37" name="Table 36">
+          <p:cNvPr id="117" name="Table 116">
             <a:extLst>
               <a:ext uri="{FF2B5EF4-FFF2-40B4-BE49-F238E27FC236}">
-                <a16:creationId xmlns:a16="http://schemas.microsoft.com/office/drawing/2014/main" id="{8302E874-2592-4996-A014-6AEF5E48E41B}"/>
+                <a16:creationId xmlns:a16="http://schemas.microsoft.com/office/drawing/2014/main" id="{F67381B5-6FA0-4C9A-8A0E-F1A44249ED02}"/>
               </a:ext>
             </a:extLst>
           </p:cNvPr>
@@ -5461,14 +5466,14 @@
           <p:nvPr>
             <p:extLst>
               <p:ext uri="{D42A27DB-BD31-4B8C-83A1-F6EECF244321}">
-                <p14:modId xmlns:p14="http://schemas.microsoft.com/office/powerpoint/2010/main" val="2964424415"/>
+                <p14:modId xmlns:p14="http://schemas.microsoft.com/office/powerpoint/2010/main" val="1168927710"/>
               </p:ext>
             </p:extLst>
           </p:nvPr>
         </p:nvGraphicFramePr>
         <p:xfrm>
-          <a:off x="7909562" y="412954"/>
-          <a:ext cx="6818814" cy="5947956"/>
+          <a:off x="4826274" y="408972"/>
+          <a:ext cx="4171050" cy="3638346"/>
         </p:xfrm>
         <a:graphic>
           <a:graphicData uri="http://schemas.openxmlformats.org/drawingml/2006/table">
@@ -5477,42 +5482,42 @@
                 <a:tableStyleId>{5C22544A-7EE6-4342-B048-85BDC9FD1C3A}</a:tableStyleId>
               </a:tblPr>
               <a:tblGrid>
-                <a:gridCol w="1136469">
+                <a:gridCol w="695175">
                   <a:extLst>
                     <a:ext uri="{9D8B030D-6E8A-4147-A177-3AD203B41FA5}">
                       <a16:colId xmlns:a16="http://schemas.microsoft.com/office/drawing/2014/main" val="1049261243"/>
                     </a:ext>
                   </a:extLst>
                 </a:gridCol>
-                <a:gridCol w="1136469">
+                <a:gridCol w="695175">
                   <a:extLst>
                     <a:ext uri="{9D8B030D-6E8A-4147-A177-3AD203B41FA5}">
                       <a16:colId xmlns:a16="http://schemas.microsoft.com/office/drawing/2014/main" val="2103895917"/>
                     </a:ext>
                   </a:extLst>
                 </a:gridCol>
-                <a:gridCol w="1136469">
+                <a:gridCol w="695175">
                   <a:extLst>
                     <a:ext uri="{9D8B030D-6E8A-4147-A177-3AD203B41FA5}">
                       <a16:colId xmlns:a16="http://schemas.microsoft.com/office/drawing/2014/main" val="1478607400"/>
                     </a:ext>
                   </a:extLst>
                 </a:gridCol>
-                <a:gridCol w="1136469">
+                <a:gridCol w="695175">
                   <a:extLst>
                     <a:ext uri="{9D8B030D-6E8A-4147-A177-3AD203B41FA5}">
                       <a16:colId xmlns:a16="http://schemas.microsoft.com/office/drawing/2014/main" val="2574020142"/>
                     </a:ext>
                   </a:extLst>
                 </a:gridCol>
-                <a:gridCol w="1136469">
+                <a:gridCol w="695175">
                   <a:extLst>
                     <a:ext uri="{9D8B030D-6E8A-4147-A177-3AD203B41FA5}">
                       <a16:colId xmlns:a16="http://schemas.microsoft.com/office/drawing/2014/main" val="1994515883"/>
                     </a:ext>
                   </a:extLst>
                 </a:gridCol>
-                <a:gridCol w="1136469">
+                <a:gridCol w="695175">
                   <a:extLst>
                     <a:ext uri="{9D8B030D-6E8A-4147-A177-3AD203B41FA5}">
                       <a16:colId xmlns:a16="http://schemas.microsoft.com/office/drawing/2014/main" val="360802583"/>
@@ -5520,16 +5525,16 @@
                   </a:extLst>
                 </a:gridCol>
               </a:tblGrid>
-              <a:tr h="991326">
+              <a:tr h="606391">
                 <a:tc>
                   <a:txBody>
                     <a:bodyPr/>
                     <a:lstStyle/>
                     <a:p>
-                      <a:endParaRPr lang="en-US" dirty="0"/>
+                      <a:endParaRPr lang="en-US" sz="700" dirty="0"/>
                     </a:p>
                   </a:txBody>
-                  <a:tcPr>
+                  <a:tcPr marL="55934" marR="55934" marT="27967" marB="27967">
                     <a:lnL w="12700" cap="flat" cmpd="sng" algn="ctr">
                       <a:solidFill>
                         <a:schemeClr val="tx1"/>
@@ -5584,10 +5589,10 @@
                     <a:bodyPr/>
                     <a:lstStyle/>
                     <a:p>
-                      <a:endParaRPr lang="en-US" dirty="0"/>
+                      <a:endParaRPr lang="en-US" sz="700" dirty="0"/>
                     </a:p>
                   </a:txBody>
-                  <a:tcPr>
+                  <a:tcPr marL="55934" marR="55934" marT="27967" marB="27967">
                     <a:lnL w="12700" cap="flat" cmpd="sng" algn="ctr">
                       <a:solidFill>
                         <a:schemeClr val="tx1"/>
@@ -5642,10 +5647,10 @@
                     <a:bodyPr/>
                     <a:lstStyle/>
                     <a:p>
-                      <a:endParaRPr lang="en-US" dirty="0"/>
+                      <a:endParaRPr lang="en-US" sz="700" dirty="0"/>
                     </a:p>
                   </a:txBody>
-                  <a:tcPr>
+                  <a:tcPr marL="55934" marR="55934" marT="27967" marB="27967">
                     <a:lnL w="12700" cap="flat" cmpd="sng" algn="ctr">
                       <a:solidFill>
                         <a:schemeClr val="tx1"/>
@@ -5700,10 +5705,10 @@
                     <a:bodyPr/>
                     <a:lstStyle/>
                     <a:p>
-                      <a:endParaRPr lang="en-US"/>
+                      <a:endParaRPr lang="en-US" sz="700"/>
                     </a:p>
                   </a:txBody>
-                  <a:tcPr>
+                  <a:tcPr marL="55934" marR="55934" marT="27967" marB="27967">
                     <a:lnL w="12700" cap="flat" cmpd="sng" algn="ctr">
                       <a:solidFill>
                         <a:schemeClr val="tx1"/>
@@ -5758,10 +5763,10 @@
                     <a:bodyPr/>
                     <a:lstStyle/>
                     <a:p>
-                      <a:endParaRPr lang="en-US"/>
+                      <a:endParaRPr lang="en-US" sz="700"/>
                     </a:p>
                   </a:txBody>
-                  <a:tcPr>
+                  <a:tcPr marL="55934" marR="55934" marT="27967" marB="27967">
                     <a:lnL w="12700" cap="flat" cmpd="sng" algn="ctr">
                       <a:solidFill>
                         <a:schemeClr val="tx1"/>
@@ -5816,10 +5821,10 @@
                     <a:bodyPr/>
                     <a:lstStyle/>
                     <a:p>
-                      <a:endParaRPr lang="en-US"/>
+                      <a:endParaRPr lang="en-US" sz="700"/>
                     </a:p>
                   </a:txBody>
-                  <a:tcPr>
+                  <a:tcPr marL="55934" marR="55934" marT="27967" marB="27967">
                     <a:lnL w="12700" cap="flat" cmpd="sng" algn="ctr">
                       <a:solidFill>
                         <a:schemeClr val="tx1"/>
@@ -5875,16 +5880,16 @@
                   </a:ext>
                 </a:extLst>
               </a:tr>
-              <a:tr h="991326">
+              <a:tr h="606391">
                 <a:tc>
                   <a:txBody>
                     <a:bodyPr/>
                     <a:lstStyle/>
                     <a:p>
-                      <a:endParaRPr lang="en-US" dirty="0"/>
+                      <a:endParaRPr lang="en-US" sz="700" dirty="0"/>
                     </a:p>
                   </a:txBody>
-                  <a:tcPr>
+                  <a:tcPr marL="55934" marR="55934" marT="27967" marB="27967">
                     <a:lnL w="12700" cap="flat" cmpd="sng" algn="ctr">
                       <a:solidFill>
                         <a:schemeClr val="tx1"/>
@@ -5939,10 +5944,10 @@
                     <a:bodyPr/>
                     <a:lstStyle/>
                     <a:p>
-                      <a:endParaRPr lang="en-US" dirty="0"/>
+                      <a:endParaRPr lang="en-US" sz="700" dirty="0"/>
                     </a:p>
                   </a:txBody>
-                  <a:tcPr>
+                  <a:tcPr marL="55934" marR="55934" marT="27967" marB="27967">
                     <a:lnL w="12700" cap="flat" cmpd="sng" algn="ctr">
                       <a:solidFill>
                         <a:schemeClr val="tx1"/>
@@ -5997,10 +6002,10 @@
                     <a:bodyPr/>
                     <a:lstStyle/>
                     <a:p>
-                      <a:endParaRPr lang="en-US"/>
+                      <a:endParaRPr lang="en-US" sz="700"/>
                     </a:p>
                   </a:txBody>
-                  <a:tcPr>
+                  <a:tcPr marL="55934" marR="55934" marT="27967" marB="27967">
                     <a:lnL w="12700" cap="flat" cmpd="sng" algn="ctr">
                       <a:solidFill>
                         <a:schemeClr val="tx1"/>
@@ -6055,10 +6060,10 @@
                     <a:bodyPr/>
                     <a:lstStyle/>
                     <a:p>
-                      <a:endParaRPr lang="en-US" dirty="0"/>
+                      <a:endParaRPr lang="en-US" sz="700" dirty="0"/>
                     </a:p>
                   </a:txBody>
-                  <a:tcPr>
+                  <a:tcPr marL="55934" marR="55934" marT="27967" marB="27967">
                     <a:lnL w="12700" cap="flat" cmpd="sng" algn="ctr">
                       <a:solidFill>
                         <a:schemeClr val="tx1"/>
@@ -6113,10 +6118,10 @@
                     <a:bodyPr/>
                     <a:lstStyle/>
                     <a:p>
-                      <a:endParaRPr lang="en-US"/>
+                      <a:endParaRPr lang="en-US" sz="700"/>
                     </a:p>
                   </a:txBody>
-                  <a:tcPr>
+                  <a:tcPr marL="55934" marR="55934" marT="27967" marB="27967">
                     <a:lnL w="12700" cap="flat" cmpd="sng" algn="ctr">
                       <a:solidFill>
                         <a:schemeClr val="tx1"/>
@@ -6171,10 +6176,10 @@
                     <a:bodyPr/>
                     <a:lstStyle/>
                     <a:p>
-                      <a:endParaRPr lang="en-US" dirty="0"/>
+                      <a:endParaRPr lang="en-US" sz="700" dirty="0"/>
                     </a:p>
                   </a:txBody>
-                  <a:tcPr>
+                  <a:tcPr marL="55934" marR="55934" marT="27967" marB="27967">
                     <a:lnL w="12700" cap="flat" cmpd="sng" algn="ctr">
                       <a:solidFill>
                         <a:schemeClr val="tx1"/>
@@ -6230,16 +6235,16 @@
                   </a:ext>
                 </a:extLst>
               </a:tr>
-              <a:tr h="991326">
+              <a:tr h="606391">
                 <a:tc>
                   <a:txBody>
                     <a:bodyPr/>
                     <a:lstStyle/>
                     <a:p>
-                      <a:endParaRPr lang="en-US" dirty="0"/>
+                      <a:endParaRPr lang="en-US" sz="700" dirty="0"/>
                     </a:p>
                   </a:txBody>
-                  <a:tcPr>
+                  <a:tcPr marL="55934" marR="55934" marT="27967" marB="27967">
                     <a:lnL w="12700" cap="flat" cmpd="sng" algn="ctr">
                       <a:solidFill>
                         <a:schemeClr val="tx1"/>
@@ -6294,10 +6299,10 @@
                     <a:bodyPr/>
                     <a:lstStyle/>
                     <a:p>
-                      <a:endParaRPr lang="en-US"/>
+                      <a:endParaRPr lang="en-US" sz="700" dirty="0"/>
                     </a:p>
                   </a:txBody>
-                  <a:tcPr>
+                  <a:tcPr marL="55934" marR="55934" marT="27967" marB="27967">
                     <a:lnL w="12700" cap="flat" cmpd="sng" algn="ctr">
                       <a:solidFill>
                         <a:schemeClr val="tx1"/>
@@ -6352,10 +6357,10 @@
                     <a:bodyPr/>
                     <a:lstStyle/>
                     <a:p>
-                      <a:endParaRPr lang="en-US" dirty="0"/>
+                      <a:endParaRPr lang="en-US" sz="700" dirty="0"/>
                     </a:p>
                   </a:txBody>
-                  <a:tcPr>
+                  <a:tcPr marL="55934" marR="55934" marT="27967" marB="27967">
                     <a:lnL w="12700" cap="flat" cmpd="sng" algn="ctr">
                       <a:solidFill>
                         <a:schemeClr val="tx1"/>
@@ -6410,10 +6415,10 @@
                     <a:bodyPr/>
                     <a:lstStyle/>
                     <a:p>
-                      <a:endParaRPr lang="en-US"/>
+                      <a:endParaRPr lang="en-US" sz="700"/>
                     </a:p>
                   </a:txBody>
-                  <a:tcPr>
+                  <a:tcPr marL="55934" marR="55934" marT="27967" marB="27967">
                     <a:lnL w="12700" cap="flat" cmpd="sng" algn="ctr">
                       <a:solidFill>
                         <a:schemeClr val="tx1"/>
@@ -6468,10 +6473,10 @@
                     <a:bodyPr/>
                     <a:lstStyle/>
                     <a:p>
-                      <a:endParaRPr lang="en-US"/>
+                      <a:endParaRPr lang="en-US" sz="700"/>
                     </a:p>
                   </a:txBody>
-                  <a:tcPr>
+                  <a:tcPr marL="55934" marR="55934" marT="27967" marB="27967">
                     <a:lnL w="12700" cap="flat" cmpd="sng" algn="ctr">
                       <a:solidFill>
                         <a:schemeClr val="tx1"/>
@@ -6526,10 +6531,10 @@
                     <a:bodyPr/>
                     <a:lstStyle/>
                     <a:p>
-                      <a:endParaRPr lang="en-US"/>
+                      <a:endParaRPr lang="en-US" sz="700"/>
                     </a:p>
                   </a:txBody>
-                  <a:tcPr>
+                  <a:tcPr marL="55934" marR="55934" marT="27967" marB="27967">
                     <a:lnL w="12700" cap="flat" cmpd="sng" algn="ctr">
                       <a:solidFill>
                         <a:schemeClr val="tx1"/>
@@ -6585,16 +6590,16 @@
                   </a:ext>
                 </a:extLst>
               </a:tr>
-              <a:tr h="991326">
+              <a:tr h="606391">
                 <a:tc>
                   <a:txBody>
                     <a:bodyPr/>
                     <a:lstStyle/>
                     <a:p>
-                      <a:endParaRPr lang="en-US"/>
+                      <a:endParaRPr lang="en-US" sz="700"/>
                     </a:p>
                   </a:txBody>
-                  <a:tcPr>
+                  <a:tcPr marL="55934" marR="55934" marT="27967" marB="27967">
                     <a:lnL w="12700" cap="flat" cmpd="sng" algn="ctr">
                       <a:solidFill>
                         <a:schemeClr val="tx1"/>
@@ -6649,10 +6654,10 @@
                     <a:bodyPr/>
                     <a:lstStyle/>
                     <a:p>
-                      <a:endParaRPr lang="en-US"/>
+                      <a:endParaRPr lang="en-US" sz="700"/>
                     </a:p>
                   </a:txBody>
-                  <a:tcPr>
+                  <a:tcPr marL="55934" marR="55934" marT="27967" marB="27967">
                     <a:lnL w="12700" cap="flat" cmpd="sng" algn="ctr">
                       <a:solidFill>
                         <a:schemeClr val="tx1"/>
@@ -6707,10 +6712,10 @@
                     <a:bodyPr/>
                     <a:lstStyle/>
                     <a:p>
-                      <a:endParaRPr lang="en-US" dirty="0"/>
+                      <a:endParaRPr lang="en-US" sz="700" dirty="0"/>
                     </a:p>
                   </a:txBody>
-                  <a:tcPr>
+                  <a:tcPr marL="55934" marR="55934" marT="27967" marB="27967">
                     <a:lnL w="12700" cap="flat" cmpd="sng" algn="ctr">
                       <a:solidFill>
                         <a:schemeClr val="tx1"/>
@@ -6765,10 +6770,10 @@
                     <a:bodyPr/>
                     <a:lstStyle/>
                     <a:p>
-                      <a:endParaRPr lang="en-US"/>
+                      <a:endParaRPr lang="en-US" sz="700" dirty="0"/>
                     </a:p>
                   </a:txBody>
-                  <a:tcPr>
+                  <a:tcPr marL="55934" marR="55934" marT="27967" marB="27967">
                     <a:lnL w="12700" cap="flat" cmpd="sng" algn="ctr">
                       <a:solidFill>
                         <a:schemeClr val="tx1"/>
@@ -6823,10 +6828,10 @@
                     <a:bodyPr/>
                     <a:lstStyle/>
                     <a:p>
-                      <a:endParaRPr lang="en-US" dirty="0"/>
+                      <a:endParaRPr lang="en-US" sz="700" dirty="0"/>
                     </a:p>
                   </a:txBody>
-                  <a:tcPr>
+                  <a:tcPr marL="55934" marR="55934" marT="27967" marB="27967">
                     <a:lnL w="12700" cap="flat" cmpd="sng" algn="ctr">
                       <a:solidFill>
                         <a:schemeClr val="tx1"/>
@@ -6881,10 +6886,10 @@
                     <a:bodyPr/>
                     <a:lstStyle/>
                     <a:p>
-                      <a:endParaRPr lang="en-US"/>
+                      <a:endParaRPr lang="en-US" sz="700" dirty="0"/>
                     </a:p>
                   </a:txBody>
-                  <a:tcPr>
+                  <a:tcPr marL="55934" marR="55934" marT="27967" marB="27967">
                     <a:lnL w="12700" cap="flat" cmpd="sng" algn="ctr">
                       <a:solidFill>
                         <a:schemeClr val="tx1"/>
@@ -6940,16 +6945,16 @@
                   </a:ext>
                 </a:extLst>
               </a:tr>
-              <a:tr h="991326">
+              <a:tr h="606391">
                 <a:tc>
                   <a:txBody>
                     <a:bodyPr/>
                     <a:lstStyle/>
                     <a:p>
-                      <a:endParaRPr lang="en-US"/>
+                      <a:endParaRPr lang="en-US" sz="700" dirty="0"/>
                     </a:p>
                   </a:txBody>
-                  <a:tcPr>
+                  <a:tcPr marL="55934" marR="55934" marT="27967" marB="27967">
                     <a:lnL w="12700" cap="flat" cmpd="sng" algn="ctr">
                       <a:solidFill>
                         <a:schemeClr val="tx1"/>
@@ -7004,10 +7009,10 @@
                     <a:bodyPr/>
                     <a:lstStyle/>
                     <a:p>
-                      <a:endParaRPr lang="en-US"/>
+                      <a:endParaRPr lang="en-US" sz="700"/>
                     </a:p>
                   </a:txBody>
-                  <a:tcPr>
+                  <a:tcPr marL="55934" marR="55934" marT="27967" marB="27967">
                     <a:lnL w="12700" cap="flat" cmpd="sng" algn="ctr">
                       <a:solidFill>
                         <a:schemeClr val="tx1"/>
@@ -7062,10 +7067,10 @@
                     <a:bodyPr/>
                     <a:lstStyle/>
                     <a:p>
-                      <a:endParaRPr lang="en-US"/>
+                      <a:endParaRPr lang="en-US" sz="700"/>
                     </a:p>
                   </a:txBody>
-                  <a:tcPr>
+                  <a:tcPr marL="55934" marR="55934" marT="27967" marB="27967">
                     <a:lnL w="12700" cap="flat" cmpd="sng" algn="ctr">
                       <a:solidFill>
                         <a:schemeClr val="tx1"/>
@@ -7120,10 +7125,10 @@
                     <a:bodyPr/>
                     <a:lstStyle/>
                     <a:p>
-                      <a:endParaRPr lang="en-US" dirty="0"/>
+                      <a:endParaRPr lang="en-US" sz="700" dirty="0"/>
                     </a:p>
                   </a:txBody>
-                  <a:tcPr>
+                  <a:tcPr marL="55934" marR="55934" marT="27967" marB="27967">
                     <a:lnL w="12700" cap="flat" cmpd="sng" algn="ctr">
                       <a:solidFill>
                         <a:schemeClr val="tx1"/>
@@ -7178,10 +7183,10 @@
                     <a:bodyPr/>
                     <a:lstStyle/>
                     <a:p>
-                      <a:endParaRPr lang="en-US" dirty="0"/>
+                      <a:endParaRPr lang="en-US" sz="700" dirty="0"/>
                     </a:p>
                   </a:txBody>
-                  <a:tcPr>
+                  <a:tcPr marL="55934" marR="55934" marT="27967" marB="27967">
                     <a:lnL w="12700" cap="flat" cmpd="sng" algn="ctr">
                       <a:solidFill>
                         <a:schemeClr val="tx1"/>
@@ -7236,10 +7241,10 @@
                     <a:bodyPr/>
                     <a:lstStyle/>
                     <a:p>
-                      <a:endParaRPr lang="en-US"/>
+                      <a:endParaRPr lang="en-US" sz="700"/>
                     </a:p>
                   </a:txBody>
-                  <a:tcPr>
+                  <a:tcPr marL="55934" marR="55934" marT="27967" marB="27967">
                     <a:lnL w="12700" cap="flat" cmpd="sng" algn="ctr">
                       <a:solidFill>
                         <a:schemeClr val="tx1"/>
@@ -7295,16 +7300,16 @@
                   </a:ext>
                 </a:extLst>
               </a:tr>
-              <a:tr h="991326">
+              <a:tr h="606391">
                 <a:tc>
                   <a:txBody>
                     <a:bodyPr/>
                     <a:lstStyle/>
                     <a:p>
-                      <a:endParaRPr lang="en-US"/>
+                      <a:endParaRPr lang="en-US" sz="700"/>
                     </a:p>
                   </a:txBody>
-                  <a:tcPr>
+                  <a:tcPr marL="55934" marR="55934" marT="27967" marB="27967">
                     <a:lnL w="12700" cap="flat" cmpd="sng" algn="ctr">
                       <a:solidFill>
                         <a:schemeClr val="tx1"/>
@@ -7359,10 +7364,10 @@
                     <a:bodyPr/>
                     <a:lstStyle/>
                     <a:p>
-                      <a:endParaRPr lang="en-US" dirty="0"/>
+                      <a:endParaRPr lang="en-US" sz="700" dirty="0"/>
                     </a:p>
                   </a:txBody>
-                  <a:tcPr>
+                  <a:tcPr marL="55934" marR="55934" marT="27967" marB="27967">
                     <a:lnL w="12700" cap="flat" cmpd="sng" algn="ctr">
                       <a:solidFill>
                         <a:schemeClr val="tx1"/>
@@ -7417,10 +7422,10 @@
                     <a:bodyPr/>
                     <a:lstStyle/>
                     <a:p>
-                      <a:endParaRPr lang="en-US"/>
+                      <a:endParaRPr lang="en-US" sz="700"/>
                     </a:p>
                   </a:txBody>
-                  <a:tcPr>
+                  <a:tcPr marL="55934" marR="55934" marT="27967" marB="27967">
                     <a:lnL w="12700" cap="flat" cmpd="sng" algn="ctr">
                       <a:solidFill>
                         <a:schemeClr val="tx1"/>
@@ -7475,10 +7480,10 @@
                     <a:bodyPr/>
                     <a:lstStyle/>
                     <a:p>
-                      <a:endParaRPr lang="en-US"/>
+                      <a:endParaRPr lang="en-US" sz="700"/>
                     </a:p>
                   </a:txBody>
-                  <a:tcPr>
+                  <a:tcPr marL="55934" marR="55934" marT="27967" marB="27967">
                     <a:lnL w="12700" cap="flat" cmpd="sng" algn="ctr">
                       <a:solidFill>
                         <a:schemeClr val="tx1"/>
@@ -7533,10 +7538,10 @@
                     <a:bodyPr/>
                     <a:lstStyle/>
                     <a:p>
-                      <a:endParaRPr lang="en-US"/>
+                      <a:endParaRPr lang="en-US" sz="700"/>
                     </a:p>
                   </a:txBody>
-                  <a:tcPr>
+                  <a:tcPr marL="55934" marR="55934" marT="27967" marB="27967">
                     <a:lnL w="12700" cap="flat" cmpd="sng" algn="ctr">
                       <a:solidFill>
                         <a:schemeClr val="tx1"/>
@@ -7591,10 +7596,10 @@
                     <a:bodyPr/>
                     <a:lstStyle/>
                     <a:p>
-                      <a:endParaRPr lang="en-US" dirty="0"/>
+                      <a:endParaRPr lang="en-US" sz="700" dirty="0"/>
                     </a:p>
                   </a:txBody>
-                  <a:tcPr>
+                  <a:tcPr marL="55934" marR="55934" marT="27967" marB="27967">
                     <a:lnL w="12700" cap="flat" cmpd="sng" algn="ctr">
                       <a:solidFill>
                         <a:schemeClr val="tx1"/>
@@ -7656,10 +7661,10 @@
       </p:graphicFrame>
       <p:sp>
         <p:nvSpPr>
-          <p:cNvPr id="38" name="Oval 37">
+          <p:cNvPr id="118" name="Oval 117">
             <a:extLst>
               <a:ext uri="{FF2B5EF4-FFF2-40B4-BE49-F238E27FC236}">
-                <a16:creationId xmlns:a16="http://schemas.microsoft.com/office/drawing/2014/main" id="{947B30D5-1266-4767-9961-87FA0F850FCF}"/>
+                <a16:creationId xmlns:a16="http://schemas.microsoft.com/office/drawing/2014/main" id="{E3B4E8E6-8CEC-4080-81B0-481518864424}"/>
               </a:ext>
             </a:extLst>
           </p:cNvPr>
@@ -7668,8 +7673,8 @@
         </p:nvSpPr>
         <p:spPr>
           <a:xfrm>
-            <a:off x="9381309" y="665501"/>
-            <a:ext cx="470263" cy="452846"/>
+            <a:off x="5738821" y="591122"/>
+            <a:ext cx="287658" cy="277004"/>
           </a:xfrm>
           <a:prstGeom prst="ellipse">
             <a:avLst/>
@@ -7702,10 +7707,10 @@
       </p:sp>
       <p:sp>
         <p:nvSpPr>
-          <p:cNvPr id="39" name="Oval 38">
+          <p:cNvPr id="119" name="Oval 118">
             <a:extLst>
               <a:ext uri="{FF2B5EF4-FFF2-40B4-BE49-F238E27FC236}">
-                <a16:creationId xmlns:a16="http://schemas.microsoft.com/office/drawing/2014/main" id="{92B3C49E-ABC9-48F5-BA7E-01221E390F1C}"/>
+                <a16:creationId xmlns:a16="http://schemas.microsoft.com/office/drawing/2014/main" id="{D85B5701-87D7-4840-A6C6-92BDFE1BC084}"/>
               </a:ext>
             </a:extLst>
           </p:cNvPr>
@@ -7714,8 +7719,8 @@
         </p:nvSpPr>
         <p:spPr>
           <a:xfrm>
-            <a:off x="8236132" y="1697466"/>
-            <a:ext cx="470263" cy="452846"/>
+            <a:off x="5027696" y="1226206"/>
+            <a:ext cx="287658" cy="277004"/>
           </a:xfrm>
           <a:prstGeom prst="ellipse">
             <a:avLst/>
@@ -7748,10 +7753,10 @@
       </p:sp>
       <p:sp>
         <p:nvSpPr>
-          <p:cNvPr id="40" name="TextBox 39">
+          <p:cNvPr id="120" name="TextBox 119">
             <a:extLst>
               <a:ext uri="{FF2B5EF4-FFF2-40B4-BE49-F238E27FC236}">
-                <a16:creationId xmlns:a16="http://schemas.microsoft.com/office/drawing/2014/main" id="{E9C437CC-55A0-4D12-8F3E-426093FBBE9D}"/>
+                <a16:creationId xmlns:a16="http://schemas.microsoft.com/office/drawing/2014/main" id="{254D0B83-C446-4C75-ABFD-98E4C2D0A886}"/>
               </a:ext>
             </a:extLst>
           </p:cNvPr>
@@ -7760,8 +7765,8 @@
         </p:nvSpPr>
         <p:spPr>
           <a:xfrm>
-            <a:off x="8706395" y="364274"/>
-            <a:ext cx="1894117" cy="369332"/>
+            <a:off x="5303338" y="73667"/>
+            <a:ext cx="1158624" cy="369332"/>
           </a:xfrm>
           <a:prstGeom prst="rect">
             <a:avLst/>
@@ -7787,10 +7792,10 @@
       </p:sp>
       <p:sp>
         <p:nvSpPr>
-          <p:cNvPr id="41" name="Star: 5 Points 40">
+          <p:cNvPr id="121" name="Star: 5 Points 120">
             <a:extLst>
               <a:ext uri="{FF2B5EF4-FFF2-40B4-BE49-F238E27FC236}">
-                <a16:creationId xmlns:a16="http://schemas.microsoft.com/office/drawing/2014/main" id="{854D3F15-19AA-4F13-A5E7-20AECBE42D35}"/>
+                <a16:creationId xmlns:a16="http://schemas.microsoft.com/office/drawing/2014/main" id="{B4737F82-F69B-4BAB-BF15-413BE5D49DC5}"/>
               </a:ext>
             </a:extLst>
           </p:cNvPr>
@@ -7799,8 +7804,8 @@
         </p:nvSpPr>
         <p:spPr>
           <a:xfrm>
-            <a:off x="9281160" y="5669584"/>
-            <a:ext cx="670560" cy="509453"/>
+            <a:off x="5677560" y="3533884"/>
+            <a:ext cx="410180" cy="361899"/>
           </a:xfrm>
           <a:prstGeom prst="star5">
             <a:avLst/>
@@ -7833,10 +7838,10 @@
       </p:sp>
       <p:sp>
         <p:nvSpPr>
-          <p:cNvPr id="43" name="Star: 5 Points 42">
+          <p:cNvPr id="122" name="Star: 5 Points 121">
             <a:extLst>
               <a:ext uri="{FF2B5EF4-FFF2-40B4-BE49-F238E27FC236}">
-                <a16:creationId xmlns:a16="http://schemas.microsoft.com/office/drawing/2014/main" id="{44210F84-8B61-4BAE-BB7F-DC95040112FC}"/>
+                <a16:creationId xmlns:a16="http://schemas.microsoft.com/office/drawing/2014/main" id="{6B3FE169-D8CF-4B29-8709-509852F63D38}"/>
               </a:ext>
             </a:extLst>
           </p:cNvPr>
@@ -7845,8 +7850,8 @@
         </p:nvSpPr>
         <p:spPr>
           <a:xfrm>
-            <a:off x="13805262" y="4663357"/>
-            <a:ext cx="670560" cy="509453"/>
+            <a:off x="8430156" y="3584152"/>
+            <a:ext cx="410180" cy="319064"/>
           </a:xfrm>
           <a:prstGeom prst="star5">
             <a:avLst/>
@@ -7887,10 +7892,10 @@
       </p:sp>
       <p:sp>
         <p:nvSpPr>
-          <p:cNvPr id="44" name="TextBox 43">
+          <p:cNvPr id="123" name="TextBox 122">
             <a:extLst>
               <a:ext uri="{FF2B5EF4-FFF2-40B4-BE49-F238E27FC236}">
-                <a16:creationId xmlns:a16="http://schemas.microsoft.com/office/drawing/2014/main" id="{9478C100-B82E-4BE2-8F3D-523202C9163A}"/>
+                <a16:creationId xmlns:a16="http://schemas.microsoft.com/office/drawing/2014/main" id="{51D0990E-D738-464E-B788-AB25A914F886}"/>
               </a:ext>
             </a:extLst>
           </p:cNvPr>
@@ -7899,7 +7904,7 @@
         </p:nvSpPr>
         <p:spPr>
           <a:xfrm>
-            <a:off x="13193483" y="4329480"/>
+            <a:off x="7688187" y="4013291"/>
             <a:ext cx="1894117" cy="369332"/>
           </a:xfrm>
           <a:prstGeom prst="rect">
@@ -7926,23 +7931,24 @@
       </p:sp>
       <p:cxnSp>
         <p:nvCxnSpPr>
-          <p:cNvPr id="46" name="Straight Arrow Connector 45">
+          <p:cNvPr id="124" name="Straight Arrow Connector 123">
             <a:extLst>
               <a:ext uri="{FF2B5EF4-FFF2-40B4-BE49-F238E27FC236}">
-                <a16:creationId xmlns:a16="http://schemas.microsoft.com/office/drawing/2014/main" id="{806976EF-3DF3-4F91-91E1-E8AD877738E3}"/>
+                <a16:creationId xmlns:a16="http://schemas.microsoft.com/office/drawing/2014/main" id="{367DB8F4-5DBB-4EAD-9551-9447AC39D2AF}"/>
               </a:ext>
             </a:extLst>
           </p:cNvPr>
           <p:cNvCxnSpPr>
-            <a:stCxn id="30" idx="4"/>
-            <a:endCxn id="33" idx="0"/>
+            <a:cxnSpLocks/>
+            <a:stCxn id="111" idx="4"/>
+            <a:endCxn id="114" idx="0"/>
           </p:cNvCxnSpPr>
           <p:nvPr/>
         </p:nvCxnSpPr>
         <p:spPr>
           <a:xfrm flipH="1">
-            <a:off x="2109648" y="1118347"/>
-            <a:ext cx="1" cy="4551237"/>
+            <a:off x="1188690" y="834898"/>
+            <a:ext cx="13729" cy="2698986"/>
           </a:xfrm>
           <a:prstGeom prst="straightConnector1">
             <a:avLst/>
@@ -7968,26 +7974,28 @@
       </p:cxnSp>
       <p:cxnSp>
         <p:nvCxnSpPr>
-          <p:cNvPr id="48" name="Connector: Elbow 47">
+          <p:cNvPr id="125" name="Connector: Elbow 124">
             <a:extLst>
               <a:ext uri="{FF2B5EF4-FFF2-40B4-BE49-F238E27FC236}">
-                <a16:creationId xmlns:a16="http://schemas.microsoft.com/office/drawing/2014/main" id="{2F4868B3-3F75-4C24-B2A7-38818BA1AFF0}"/>
+                <a16:creationId xmlns:a16="http://schemas.microsoft.com/office/drawing/2014/main" id="{390D8829-4EF5-4A5D-A641-5178096D652A}"/>
               </a:ext>
             </a:extLst>
           </p:cNvPr>
           <p:cNvCxnSpPr>
-            <a:endCxn id="35" idx="1"/>
+            <a:cxnSpLocks/>
+            <a:stCxn id="112" idx="6"/>
+            <a:endCxn id="115" idx="1"/>
           </p:cNvCxnSpPr>
           <p:nvPr/>
         </p:nvCxnSpPr>
         <p:spPr>
           <a:xfrm>
-            <a:off x="1199603" y="1936955"/>
-            <a:ext cx="5098868" cy="2920995"/>
+            <a:off x="655224" y="1321446"/>
+            <a:ext cx="3113303" cy="2360320"/>
           </a:xfrm>
           <a:prstGeom prst="bentConnector3">
             <a:avLst>
-              <a:gd name="adj1" fmla="val 85288"/>
+              <a:gd name="adj1" fmla="val 62238"/>
             </a:avLst>
           </a:prstGeom>
           <a:ln w="38100">
@@ -8011,10 +8019,10 @@
       </p:cxnSp>
       <p:sp>
         <p:nvSpPr>
-          <p:cNvPr id="50" name="Multiplication Sign 49">
+          <p:cNvPr id="126" name="Multiplication Sign 125">
             <a:extLst>
               <a:ext uri="{FF2B5EF4-FFF2-40B4-BE49-F238E27FC236}">
-                <a16:creationId xmlns:a16="http://schemas.microsoft.com/office/drawing/2014/main" id="{178110F1-2317-429E-9DBD-D519CCFAD77B}"/>
+                <a16:creationId xmlns:a16="http://schemas.microsoft.com/office/drawing/2014/main" id="{F47EE3C2-E9CE-44C6-A267-15E499656673}"/>
               </a:ext>
             </a:extLst>
           </p:cNvPr>
@@ -8023,8 +8031,8 @@
         </p:nvSpPr>
         <p:spPr>
           <a:xfrm>
-            <a:off x="1728936" y="1532918"/>
-            <a:ext cx="761423" cy="826137"/>
+            <a:off x="973187" y="1068773"/>
+            <a:ext cx="465760" cy="505345"/>
           </a:xfrm>
           <a:prstGeom prst="mathMultiply">
             <a:avLst>
@@ -8061,16 +8069,16 @@
           <a:lstStyle/>
           <a:p>
             <a:pPr algn="ctr"/>
-            <a:endParaRPr lang="en-US"/>
+            <a:endParaRPr lang="en-US" dirty="0"/>
           </a:p>
         </p:txBody>
       </p:sp>
       <p:sp>
         <p:nvSpPr>
-          <p:cNvPr id="51" name="TextBox 50">
+          <p:cNvPr id="127" name="TextBox 126">
             <a:extLst>
               <a:ext uri="{FF2B5EF4-FFF2-40B4-BE49-F238E27FC236}">
-                <a16:creationId xmlns:a16="http://schemas.microsoft.com/office/drawing/2014/main" id="{6705CABE-AFB5-4061-BECE-D93555EDB568}"/>
+                <a16:creationId xmlns:a16="http://schemas.microsoft.com/office/drawing/2014/main" id="{EB865B04-DB5E-4491-A68E-686D8A7C5B97}"/>
               </a:ext>
             </a:extLst>
           </p:cNvPr>
@@ -8079,8 +8087,8 @@
         </p:nvSpPr>
         <p:spPr>
           <a:xfrm>
-            <a:off x="2260350" y="1998462"/>
-            <a:ext cx="1894117" cy="369332"/>
+            <a:off x="1409017" y="1332106"/>
+            <a:ext cx="1158624" cy="369332"/>
           </a:xfrm>
           <a:prstGeom prst="rect">
             <a:avLst/>
@@ -8109,20 +8117,22 @@
       </p:sp>
       <p:cxnSp>
         <p:nvCxnSpPr>
-          <p:cNvPr id="53" name="Straight Arrow Connector 52">
+          <p:cNvPr id="128" name="Straight Arrow Connector 127">
             <a:extLst>
               <a:ext uri="{FF2B5EF4-FFF2-40B4-BE49-F238E27FC236}">
-                <a16:creationId xmlns:a16="http://schemas.microsoft.com/office/drawing/2014/main" id="{4D71C8BE-9075-400B-9ABB-02387DCB8D2A}"/>
+                <a16:creationId xmlns:a16="http://schemas.microsoft.com/office/drawing/2014/main" id="{EC6653D1-221B-47B3-AE38-FF4BE9A8A6CE}"/>
               </a:ext>
             </a:extLst>
           </p:cNvPr>
-          <p:cNvCxnSpPr/>
+          <p:cNvCxnSpPr>
+            <a:cxnSpLocks/>
+          </p:cNvCxnSpPr>
           <p:nvPr/>
         </p:nvCxnSpPr>
         <p:spPr>
           <a:xfrm flipH="1" flipV="1">
-            <a:off x="2214151" y="1945986"/>
-            <a:ext cx="583476" cy="204326"/>
+            <a:off x="1324611" y="1355473"/>
+            <a:ext cx="267937" cy="141350"/>
           </a:xfrm>
           <a:prstGeom prst="straightConnector1">
             <a:avLst/>
@@ -8151,24 +8161,24 @@
       </p:cxnSp>
       <p:cxnSp>
         <p:nvCxnSpPr>
-          <p:cNvPr id="54" name="Straight Arrow Connector 53">
+          <p:cNvPr id="129" name="Straight Arrow Connector 128">
             <a:extLst>
               <a:ext uri="{FF2B5EF4-FFF2-40B4-BE49-F238E27FC236}">
-                <a16:creationId xmlns:a16="http://schemas.microsoft.com/office/drawing/2014/main" id="{4FD6E953-0841-410B-AAD0-783BCEBEE431}"/>
+                <a16:creationId xmlns:a16="http://schemas.microsoft.com/office/drawing/2014/main" id="{F0219D65-CC0F-46B4-AE6F-3613C88D9143}"/>
               </a:ext>
             </a:extLst>
           </p:cNvPr>
           <p:cNvCxnSpPr>
             <a:cxnSpLocks/>
-            <a:stCxn id="38" idx="4"/>
-            <a:endCxn id="41" idx="0"/>
+            <a:stCxn id="118" idx="4"/>
+            <a:endCxn id="121" idx="0"/>
           </p:cNvCxnSpPr>
           <p:nvPr/>
         </p:nvCxnSpPr>
         <p:spPr>
-          <a:xfrm flipH="1">
-            <a:off x="9616440" y="1118347"/>
-            <a:ext cx="1" cy="4551237"/>
+          <a:xfrm>
+            <a:off x="5882650" y="868126"/>
+            <a:ext cx="0" cy="2665758"/>
           </a:xfrm>
           <a:prstGeom prst="straightConnector1">
             <a:avLst/>
@@ -8200,10 +8210,10 @@
       </p:cxnSp>
       <p:sp>
         <p:nvSpPr>
-          <p:cNvPr id="34" name="TextBox 33">
+          <p:cNvPr id="130" name="TextBox 129">
             <a:extLst>
               <a:ext uri="{FF2B5EF4-FFF2-40B4-BE49-F238E27FC236}">
-                <a16:creationId xmlns:a16="http://schemas.microsoft.com/office/drawing/2014/main" id="{7138AC95-5F8D-4CE3-87BE-7A1CFD260905}"/>
+                <a16:creationId xmlns:a16="http://schemas.microsoft.com/office/drawing/2014/main" id="{2F50FF7A-5E88-4057-AF85-11D3123B8090}"/>
               </a:ext>
             </a:extLst>
           </p:cNvPr>
@@ -8212,8 +8222,8 @@
         </p:nvSpPr>
         <p:spPr>
           <a:xfrm>
-            <a:off x="1199603" y="5300252"/>
-            <a:ext cx="1894117" cy="369332"/>
+            <a:off x="615004" y="4004835"/>
+            <a:ext cx="1158624" cy="369332"/>
           </a:xfrm>
           <a:prstGeom prst="rect">
             <a:avLst/>
@@ -8239,10 +8249,10 @@
       </p:sp>
       <p:sp>
         <p:nvSpPr>
-          <p:cNvPr id="42" name="TextBox 41">
+          <p:cNvPr id="131" name="TextBox 130">
             <a:extLst>
               <a:ext uri="{FF2B5EF4-FFF2-40B4-BE49-F238E27FC236}">
-                <a16:creationId xmlns:a16="http://schemas.microsoft.com/office/drawing/2014/main" id="{44E36484-25B1-41F7-899C-BB1ED3E014C2}"/>
+                <a16:creationId xmlns:a16="http://schemas.microsoft.com/office/drawing/2014/main" id="{C227CA4B-96D4-4443-BDB0-95B15E294A33}"/>
               </a:ext>
             </a:extLst>
           </p:cNvPr>
@@ -8251,8 +8261,8 @@
         </p:nvSpPr>
         <p:spPr>
           <a:xfrm>
-            <a:off x="8706395" y="5300252"/>
-            <a:ext cx="1894117" cy="369332"/>
+            <a:off x="5239888" y="4050252"/>
+            <a:ext cx="1158624" cy="369332"/>
           </a:xfrm>
           <a:prstGeom prst="rect">
             <a:avLst/>
@@ -8278,23 +8288,23 @@
       </p:sp>
       <p:cxnSp>
         <p:nvCxnSpPr>
-          <p:cNvPr id="59" name="Connector: Elbow 58">
+          <p:cNvPr id="132" name="Connector: Elbow 131">
             <a:extLst>
               <a:ext uri="{FF2B5EF4-FFF2-40B4-BE49-F238E27FC236}">
-                <a16:creationId xmlns:a16="http://schemas.microsoft.com/office/drawing/2014/main" id="{E167B8FF-C5D2-4ED0-A78E-40EF2743926F}"/>
+                <a16:creationId xmlns:a16="http://schemas.microsoft.com/office/drawing/2014/main" id="{EF3B4E13-8CE7-4667-9DC3-497779D7C643}"/>
               </a:ext>
             </a:extLst>
           </p:cNvPr>
           <p:cNvCxnSpPr>
             <a:cxnSpLocks/>
-            <a:stCxn id="39" idx="0"/>
+            <a:stCxn id="119" idx="0"/>
           </p:cNvCxnSpPr>
           <p:nvPr/>
         </p:nvCxnSpPr>
         <p:spPr>
           <a:xfrm rot="5400000" flipH="1" flipV="1">
-            <a:off x="8593831" y="660907"/>
-            <a:ext cx="913992" cy="1159127"/>
+            <a:off x="5482382" y="246627"/>
+            <a:ext cx="668723" cy="1290437"/>
           </a:xfrm>
           <a:prstGeom prst="bentConnector2">
             <a:avLst/>
@@ -8327,27 +8337,27 @@
       </p:cxnSp>
       <p:cxnSp>
         <p:nvCxnSpPr>
-          <p:cNvPr id="65" name="Connector: Elbow 64">
+          <p:cNvPr id="133" name="Connector: Elbow 132">
             <a:extLst>
               <a:ext uri="{FF2B5EF4-FFF2-40B4-BE49-F238E27FC236}">
-                <a16:creationId xmlns:a16="http://schemas.microsoft.com/office/drawing/2014/main" id="{0AA3A7AA-D9A4-49C1-A5D7-C7349743832A}"/>
+                <a16:creationId xmlns:a16="http://schemas.microsoft.com/office/drawing/2014/main" id="{1DBFD4D8-09BB-471D-9663-3A027C718152}"/>
               </a:ext>
             </a:extLst>
           </p:cNvPr>
           <p:cNvCxnSpPr>
             <a:cxnSpLocks/>
-            <a:endCxn id="43" idx="1"/>
+            <a:endCxn id="122" idx="0"/>
           </p:cNvCxnSpPr>
           <p:nvPr/>
         </p:nvCxnSpPr>
         <p:spPr>
-          <a:xfrm>
-            <a:off x="9629279" y="782286"/>
-            <a:ext cx="4175984" cy="4075664"/>
+          <a:xfrm rot="16200000" flipH="1">
+            <a:off x="6034216" y="983122"/>
+            <a:ext cx="3045718" cy="2156341"/>
           </a:xfrm>
           <a:prstGeom prst="bentConnector3">
             <a:avLst>
-              <a:gd name="adj1" fmla="val 50000"/>
+              <a:gd name="adj1" fmla="val 621"/>
             </a:avLst>
           </a:prstGeom>
           <a:ln w="38100">
@@ -8377,10 +8387,10 @@
       </p:cxnSp>
       <p:sp>
         <p:nvSpPr>
-          <p:cNvPr id="68" name="TextBox 67">
+          <p:cNvPr id="134" name="TextBox 133">
             <a:extLst>
               <a:ext uri="{FF2B5EF4-FFF2-40B4-BE49-F238E27FC236}">
-                <a16:creationId xmlns:a16="http://schemas.microsoft.com/office/drawing/2014/main" id="{B477686B-CC3E-4FD5-8770-2D1CBDD60EC8}"/>
+                <a16:creationId xmlns:a16="http://schemas.microsoft.com/office/drawing/2014/main" id="{E5FB33CA-3215-4C05-BECC-C8CEADDBB763}"/>
               </a:ext>
             </a:extLst>
           </p:cNvPr>
@@ -8389,8 +8399,8 @@
         </p:nvSpPr>
         <p:spPr>
           <a:xfrm rot="5400000">
-            <a:off x="1336352" y="3297446"/>
-            <a:ext cx="1894117" cy="369332"/>
+            <a:off x="789273" y="2142020"/>
+            <a:ext cx="1158627" cy="369332"/>
           </a:xfrm>
           <a:prstGeom prst="rect">
             <a:avLst/>
@@ -8416,10 +8426,10 @@
       </p:sp>
       <p:sp>
         <p:nvSpPr>
-          <p:cNvPr id="69" name="TextBox 68">
+          <p:cNvPr id="135" name="TextBox 134">
             <a:extLst>
               <a:ext uri="{FF2B5EF4-FFF2-40B4-BE49-F238E27FC236}">
-                <a16:creationId xmlns:a16="http://schemas.microsoft.com/office/drawing/2014/main" id="{681604F2-286E-4420-83C7-DE1F2330CFE8}"/>
+                <a16:creationId xmlns:a16="http://schemas.microsoft.com/office/drawing/2014/main" id="{49091531-39C0-4729-89AA-4D83F215F61A}"/>
               </a:ext>
             </a:extLst>
           </p:cNvPr>
@@ -8427,9 +8437,9 @@
           <p:nvPr/>
         </p:nvSpPr>
         <p:spPr>
-          <a:xfrm>
-            <a:off x="3400404" y="1567623"/>
-            <a:ext cx="1894117" cy="369332"/>
+          <a:xfrm rot="5400000">
+            <a:off x="2172995" y="2106744"/>
+            <a:ext cx="1158624" cy="369332"/>
           </a:xfrm>
           <a:prstGeom prst="rect">
             <a:avLst/>
@@ -8455,10 +8465,10 @@
       </p:sp>
       <p:sp>
         <p:nvSpPr>
-          <p:cNvPr id="70" name="TextBox 69">
+          <p:cNvPr id="136" name="TextBox 135">
             <a:extLst>
               <a:ext uri="{FF2B5EF4-FFF2-40B4-BE49-F238E27FC236}">
-                <a16:creationId xmlns:a16="http://schemas.microsoft.com/office/drawing/2014/main" id="{3B27DADE-14AC-400C-BC69-154C0404EA63}"/>
+                <a16:creationId xmlns:a16="http://schemas.microsoft.com/office/drawing/2014/main" id="{E3EB26AF-24BA-48CC-B695-A4C5171E36FF}"/>
               </a:ext>
             </a:extLst>
           </p:cNvPr>
@@ -8467,8 +8477,8 @@
         </p:nvSpPr>
         <p:spPr>
           <a:xfrm rot="5400000">
-            <a:off x="10752515" y="3186480"/>
-            <a:ext cx="2286001" cy="369332"/>
+            <a:off x="7953016" y="1985983"/>
+            <a:ext cx="1398342" cy="646331"/>
           </a:xfrm>
           <a:prstGeom prst="rect">
             <a:avLst/>
@@ -8494,10 +8504,10 @@
       </p:sp>
       <p:sp>
         <p:nvSpPr>
-          <p:cNvPr id="71" name="TextBox 70">
+          <p:cNvPr id="137" name="TextBox 136">
             <a:extLst>
               <a:ext uri="{FF2B5EF4-FFF2-40B4-BE49-F238E27FC236}">
-                <a16:creationId xmlns:a16="http://schemas.microsoft.com/office/drawing/2014/main" id="{A78F8BFC-A054-4126-BD74-0703915C9349}"/>
+                <a16:creationId xmlns:a16="http://schemas.microsoft.com/office/drawing/2014/main" id="{991D1883-3993-405F-BCD7-EA6C2F4FEE91}"/>
               </a:ext>
             </a:extLst>
           </p:cNvPr>
@@ -8506,8 +8516,8 @@
         </p:nvSpPr>
         <p:spPr>
           <a:xfrm rot="5400000">
-            <a:off x="8651581" y="3209299"/>
-            <a:ext cx="2286001" cy="369332"/>
+            <a:off x="5183477" y="2003521"/>
+            <a:ext cx="1398342" cy="646331"/>
           </a:xfrm>
           <a:prstGeom prst="rect">
             <a:avLst/>
@@ -8533,28 +8543,28 @@
       </p:sp>
       <p:cxnSp>
         <p:nvCxnSpPr>
-          <p:cNvPr id="72" name="Connector: Elbow 71">
+          <p:cNvPr id="138" name="Connector: Elbow 137">
             <a:extLst>
               <a:ext uri="{FF2B5EF4-FFF2-40B4-BE49-F238E27FC236}">
-                <a16:creationId xmlns:a16="http://schemas.microsoft.com/office/drawing/2014/main" id="{D5F8D9CE-C722-4430-BD8C-C3292E0EF338}"/>
+                <a16:creationId xmlns:a16="http://schemas.microsoft.com/office/drawing/2014/main" id="{AD23DEF6-5946-450D-9285-90AF9AE40609}"/>
               </a:ext>
             </a:extLst>
           </p:cNvPr>
           <p:cNvCxnSpPr>
             <a:cxnSpLocks/>
-            <a:stCxn id="39" idx="6"/>
-            <a:endCxn id="43" idx="1"/>
+            <a:stCxn id="119" idx="6"/>
+            <a:endCxn id="122" idx="1"/>
           </p:cNvCxnSpPr>
           <p:nvPr/>
         </p:nvCxnSpPr>
         <p:spPr>
           <a:xfrm>
-            <a:off x="8706395" y="1923889"/>
-            <a:ext cx="5098868" cy="2934061"/>
+            <a:off x="5315354" y="1364708"/>
+            <a:ext cx="3114802" cy="2341315"/>
           </a:xfrm>
           <a:prstGeom prst="bentConnector3">
             <a:avLst>
-              <a:gd name="adj1" fmla="val 85674"/>
+              <a:gd name="adj1" fmla="val 40343"/>
             </a:avLst>
           </a:prstGeom>
           <a:ln w="38100">
@@ -8578,10 +8588,10 @@
       </p:cxnSp>
       <p:sp>
         <p:nvSpPr>
-          <p:cNvPr id="76" name="TextBox 75">
+          <p:cNvPr id="139" name="TextBox 138">
             <a:extLst>
               <a:ext uri="{FF2B5EF4-FFF2-40B4-BE49-F238E27FC236}">
-                <a16:creationId xmlns:a16="http://schemas.microsoft.com/office/drawing/2014/main" id="{2DD1D660-901A-45AE-8335-4757CF5ACA0E}"/>
+                <a16:creationId xmlns:a16="http://schemas.microsoft.com/office/drawing/2014/main" id="{00E4EFED-FE98-4372-8AE6-005EAE2321A8}"/>
               </a:ext>
             </a:extLst>
           </p:cNvPr>
@@ -8590,8 +8600,8 @@
         </p:nvSpPr>
         <p:spPr>
           <a:xfrm rot="5400000">
-            <a:off x="12133948" y="3186480"/>
-            <a:ext cx="2286001" cy="369332"/>
+            <a:off x="5889462" y="2005343"/>
+            <a:ext cx="1398342" cy="646331"/>
           </a:xfrm>
           <a:prstGeom prst="rect">
             <a:avLst/>
@@ -8617,23 +8627,23 @@
       </p:sp>
       <p:cxnSp>
         <p:nvCxnSpPr>
-          <p:cNvPr id="78" name="Connector: Elbow 77">
+          <p:cNvPr id="140" name="Connector: Elbow 139">
             <a:extLst>
               <a:ext uri="{FF2B5EF4-FFF2-40B4-BE49-F238E27FC236}">
-                <a16:creationId xmlns:a16="http://schemas.microsoft.com/office/drawing/2014/main" id="{45D43F1E-D4DD-40F7-8483-4AA2A9DF6489}"/>
+                <a16:creationId xmlns:a16="http://schemas.microsoft.com/office/drawing/2014/main" id="{2AB04125-3E72-4F6D-AF3E-5335454AE040}"/>
               </a:ext>
             </a:extLst>
           </p:cNvPr>
           <p:cNvCxnSpPr>
             <a:cxnSpLocks/>
-            <a:stCxn id="38" idx="2"/>
+            <a:stCxn id="118" idx="2"/>
           </p:cNvCxnSpPr>
           <p:nvPr/>
         </p:nvCxnSpPr>
         <p:spPr>
           <a:xfrm rot="10800000" flipV="1">
-            <a:off x="8593455" y="891924"/>
-            <a:ext cx="787855" cy="2063934"/>
+            <a:off x="5110265" y="729624"/>
+            <a:ext cx="628557" cy="1882550"/>
           </a:xfrm>
           <a:prstGeom prst="bentConnector2">
             <a:avLst/>
@@ -8663,22 +8673,23 @@
       </p:cxnSp>
       <p:cxnSp>
         <p:nvCxnSpPr>
-          <p:cNvPr id="94" name="Connector: Elbow 93">
+          <p:cNvPr id="141" name="Connector: Elbow 140">
             <a:extLst>
               <a:ext uri="{FF2B5EF4-FFF2-40B4-BE49-F238E27FC236}">
-                <a16:creationId xmlns:a16="http://schemas.microsoft.com/office/drawing/2014/main" id="{D1007609-B5B3-48DE-B7B2-5A01F87BD271}"/>
+                <a16:creationId xmlns:a16="http://schemas.microsoft.com/office/drawing/2014/main" id="{204D4D5C-B427-4615-B868-407577D3555F}"/>
               </a:ext>
             </a:extLst>
           </p:cNvPr>
           <p:cNvCxnSpPr>
-            <a:endCxn id="41" idx="1"/>
+            <a:cxnSpLocks/>
+            <a:endCxn id="121" idx="1"/>
           </p:cNvCxnSpPr>
           <p:nvPr/>
         </p:nvCxnSpPr>
         <p:spPr>
           <a:xfrm rot="16200000" flipH="1">
-            <a:off x="7483149" y="4066164"/>
-            <a:ext cx="2908319" cy="687706"/>
+            <a:off x="4856538" y="2851094"/>
+            <a:ext cx="1072215" cy="569829"/>
           </a:xfrm>
           <a:prstGeom prst="bentConnector2">
             <a:avLst/>
@@ -8709,10 +8720,10 @@
       </p:cxnSp>
       <p:sp>
         <p:nvSpPr>
-          <p:cNvPr id="95" name="TextBox 94">
+          <p:cNvPr id="142" name="TextBox 141">
             <a:extLst>
               <a:ext uri="{FF2B5EF4-FFF2-40B4-BE49-F238E27FC236}">
-                <a16:creationId xmlns:a16="http://schemas.microsoft.com/office/drawing/2014/main" id="{CFCA9D21-A274-4746-ACE1-0034E41CEAA3}"/>
+                <a16:creationId xmlns:a16="http://schemas.microsoft.com/office/drawing/2014/main" id="{97F80F76-4A39-4024-A342-F4EE0BBF0A00}"/>
               </a:ext>
             </a:extLst>
           </p:cNvPr>
@@ -8721,8 +8732,8 @@
         </p:nvSpPr>
         <p:spPr>
           <a:xfrm rot="5400000">
-            <a:off x="7646002" y="3186480"/>
-            <a:ext cx="2286001" cy="369332"/>
+            <a:off x="4415249" y="2017717"/>
+            <a:ext cx="1398342" cy="646331"/>
           </a:xfrm>
           <a:prstGeom prst="rect">
             <a:avLst/>
@@ -8742,6 +8753,84 @@
                 <a:cs typeface="Arial" panose="020B0604020202020204" pitchFamily="34" charset="0"/>
               </a:rPr>
               <a:t>R1 Path Option 2</a:t>
+            </a:r>
+          </a:p>
+        </p:txBody>
+      </p:sp>
+      <p:sp>
+        <p:nvSpPr>
+          <p:cNvPr id="143" name="TextBox 142">
+            <a:extLst>
+              <a:ext uri="{FF2B5EF4-FFF2-40B4-BE49-F238E27FC236}">
+                <a16:creationId xmlns:a16="http://schemas.microsoft.com/office/drawing/2014/main" id="{0D2E32D5-5DF9-4C00-A1E3-0B179D4ADDE7}"/>
+              </a:ext>
+            </a:extLst>
+          </p:cNvPr>
+          <p:cNvSpPr txBox="1"/>
+          <p:nvPr/>
+        </p:nvSpPr>
+        <p:spPr>
+          <a:xfrm>
+            <a:off x="4806990" y="4419584"/>
+            <a:ext cx="4190334" cy="369332"/>
+          </a:xfrm>
+          <a:prstGeom prst="rect">
+            <a:avLst/>
+          </a:prstGeom>
+          <a:noFill/>
+        </p:spPr>
+        <p:txBody>
+          <a:bodyPr wrap="square" rtlCol="0">
+            <a:spAutoFit/>
+          </a:bodyPr>
+          <a:lstStyle/>
+          <a:p>
+            <a:pPr algn="ctr"/>
+            <a:r>
+              <a:rPr lang="en-US" dirty="0">
+                <a:latin typeface="Arial" panose="020B0604020202020204" pitchFamily="34" charset="0"/>
+                <a:cs typeface="Arial" panose="020B0604020202020204" pitchFamily="34" charset="0"/>
+              </a:rPr>
+              <a:t>(B) Two Options for Conflict Free Paths</a:t>
+            </a:r>
+          </a:p>
+        </p:txBody>
+      </p:sp>
+      <p:sp>
+        <p:nvSpPr>
+          <p:cNvPr id="144" name="TextBox 143">
+            <a:extLst>
+              <a:ext uri="{FF2B5EF4-FFF2-40B4-BE49-F238E27FC236}">
+                <a16:creationId xmlns:a16="http://schemas.microsoft.com/office/drawing/2014/main" id="{E2A12928-B9C6-4EF6-B4EA-4C66B3ACF783}"/>
+              </a:ext>
+            </a:extLst>
+          </p:cNvPr>
+          <p:cNvSpPr txBox="1"/>
+          <p:nvPr/>
+        </p:nvSpPr>
+        <p:spPr>
+          <a:xfrm>
+            <a:off x="165962" y="4419584"/>
+            <a:ext cx="4171050" cy="369332"/>
+          </a:xfrm>
+          <a:prstGeom prst="rect">
+            <a:avLst/>
+          </a:prstGeom>
+          <a:noFill/>
+        </p:spPr>
+        <p:txBody>
+          <a:bodyPr wrap="square" rtlCol="0">
+            <a:spAutoFit/>
+          </a:bodyPr>
+          <a:lstStyle/>
+          <a:p>
+            <a:pPr algn="ctr"/>
+            <a:r>
+              <a:rPr lang="en-US" dirty="0">
+                <a:latin typeface="Arial" panose="020B0604020202020204" pitchFamily="34" charset="0"/>
+                <a:cs typeface="Arial" panose="020B0604020202020204" pitchFamily="34" charset="0"/>
+              </a:rPr>
+              <a:t>(A) Original Path with Conflict</a:t>
             </a:r>
           </a:p>
         </p:txBody>
